--- a/Lecture Slides/VideoLectureSlides/7.2.pptx
+++ b/Lecture Slides/VideoLectureSlides/7.2.pptx
@@ -5,7 +5,7 @@
     <p:sldMasterId id="2147483660" r:id="rId4"/>
   </p:sldMasterIdLst>
   <p:notesMasterIdLst>
-    <p:notesMasterId r:id="rId15"/>
+    <p:notesMasterId r:id="rId17"/>
   </p:notesMasterIdLst>
   <p:sldIdLst>
     <p:sldId id="256" r:id="rId5"/>
@@ -18,6 +18,8 @@
     <p:sldId id="287" r:id="rId12"/>
     <p:sldId id="290" r:id="rId13"/>
     <p:sldId id="269" r:id="rId14"/>
+    <p:sldId id="291" r:id="rId15"/>
+    <p:sldId id="294" r:id="rId16"/>
   </p:sldIdLst>
   <p:sldSz cx="9144000" cy="6858000" type="screen4x3"/>
   <p:notesSz cx="6858000" cy="9144000"/>
@@ -159,118 +161,6 @@
 
 <file path=ppt/changesInfos/changesInfo1.xml><?xml version="1.0" encoding="utf-8"?>
 <pc:chgInfo xmlns:a="http://schemas.openxmlformats.org/drawingml/2006/main" xmlns:r="http://schemas.openxmlformats.org/officeDocument/2006/relationships" xmlns:ac="http://schemas.microsoft.com/office/drawing/2013/main/command" xmlns:pc="http://schemas.microsoft.com/office/powerpoint/2013/main/command">
-  <pc:docChgLst>
-    <pc:chgData name="Moore, Jacob Preston" userId="fdd3fd0f-c483-48c9-988d-7deb216763fd" providerId="ADAL" clId="{EBF9353C-9552-4E23-99EB-6A40BB9FBC2C}"/>
-    <pc:docChg chg="undo modSld">
-      <pc:chgData name="Moore, Jacob Preston" userId="fdd3fd0f-c483-48c9-988d-7deb216763fd" providerId="ADAL" clId="{EBF9353C-9552-4E23-99EB-6A40BB9FBC2C}" dt="2020-11-30T14:33:52.357" v="2" actId="1036"/>
-      <pc:docMkLst>
-        <pc:docMk/>
-      </pc:docMkLst>
-      <pc:sldChg chg="modSp">
-        <pc:chgData name="Moore, Jacob Preston" userId="fdd3fd0f-c483-48c9-988d-7deb216763fd" providerId="ADAL" clId="{EBF9353C-9552-4E23-99EB-6A40BB9FBC2C}" dt="2020-11-30T14:33:52.357" v="2" actId="1036"/>
-        <pc:sldMkLst>
-          <pc:docMk/>
-          <pc:sldMk cId="846471308" sldId="264"/>
-        </pc:sldMkLst>
-        <pc:spChg chg="mod">
-          <ac:chgData name="Moore, Jacob Preston" userId="fdd3fd0f-c483-48c9-988d-7deb216763fd" providerId="ADAL" clId="{EBF9353C-9552-4E23-99EB-6A40BB9FBC2C}" dt="2020-11-30T14:33:17.531" v="1" actId="1076"/>
-          <ac:spMkLst>
-            <pc:docMk/>
-            <pc:sldMk cId="846471308" sldId="264"/>
-            <ac:spMk id="2" creationId="{00000000-0000-0000-0000-000000000000}"/>
-          </ac:spMkLst>
-        </pc:spChg>
-        <pc:spChg chg="mod">
-          <ac:chgData name="Moore, Jacob Preston" userId="fdd3fd0f-c483-48c9-988d-7deb216763fd" providerId="ADAL" clId="{EBF9353C-9552-4E23-99EB-6A40BB9FBC2C}" dt="2020-11-30T14:33:52.357" v="2" actId="1036"/>
-          <ac:spMkLst>
-            <pc:docMk/>
-            <pc:sldMk cId="846471308" sldId="264"/>
-            <ac:spMk id="4" creationId="{00000000-0000-0000-0000-000000000000}"/>
-          </ac:spMkLst>
-        </pc:spChg>
-        <pc:spChg chg="mod">
-          <ac:chgData name="Moore, Jacob Preston" userId="fdd3fd0f-c483-48c9-988d-7deb216763fd" providerId="ADAL" clId="{EBF9353C-9552-4E23-99EB-6A40BB9FBC2C}" dt="2020-11-30T14:33:52.357" v="2" actId="1036"/>
-          <ac:spMkLst>
-            <pc:docMk/>
-            <pc:sldMk cId="846471308" sldId="264"/>
-            <ac:spMk id="6" creationId="{00000000-0000-0000-0000-000000000000}"/>
-          </ac:spMkLst>
-        </pc:spChg>
-        <pc:spChg chg="mod">
-          <ac:chgData name="Moore, Jacob Preston" userId="fdd3fd0f-c483-48c9-988d-7deb216763fd" providerId="ADAL" clId="{EBF9353C-9552-4E23-99EB-6A40BB9FBC2C}" dt="2020-11-30T14:33:52.357" v="2" actId="1036"/>
-          <ac:spMkLst>
-            <pc:docMk/>
-            <pc:sldMk cId="846471308" sldId="264"/>
-            <ac:spMk id="9" creationId="{00000000-0000-0000-0000-000000000000}"/>
-          </ac:spMkLst>
-        </pc:spChg>
-        <pc:spChg chg="mod">
-          <ac:chgData name="Moore, Jacob Preston" userId="fdd3fd0f-c483-48c9-988d-7deb216763fd" providerId="ADAL" clId="{EBF9353C-9552-4E23-99EB-6A40BB9FBC2C}" dt="2020-11-30T14:33:52.357" v="2" actId="1036"/>
-          <ac:spMkLst>
-            <pc:docMk/>
-            <pc:sldMk cId="846471308" sldId="264"/>
-            <ac:spMk id="10" creationId="{00000000-0000-0000-0000-000000000000}"/>
-          </ac:spMkLst>
-        </pc:spChg>
-        <pc:spChg chg="mod">
-          <ac:chgData name="Moore, Jacob Preston" userId="fdd3fd0f-c483-48c9-988d-7deb216763fd" providerId="ADAL" clId="{EBF9353C-9552-4E23-99EB-6A40BB9FBC2C}" dt="2020-11-30T14:33:52.357" v="2" actId="1036"/>
-          <ac:spMkLst>
-            <pc:docMk/>
-            <pc:sldMk cId="846471308" sldId="264"/>
-            <ac:spMk id="11" creationId="{00000000-0000-0000-0000-000000000000}"/>
-          </ac:spMkLst>
-        </pc:spChg>
-        <pc:spChg chg="mod">
-          <ac:chgData name="Moore, Jacob Preston" userId="fdd3fd0f-c483-48c9-988d-7deb216763fd" providerId="ADAL" clId="{EBF9353C-9552-4E23-99EB-6A40BB9FBC2C}" dt="2020-11-30T14:33:52.357" v="2" actId="1036"/>
-          <ac:spMkLst>
-            <pc:docMk/>
-            <pc:sldMk cId="846471308" sldId="264"/>
-            <ac:spMk id="13" creationId="{00000000-0000-0000-0000-000000000000}"/>
-          </ac:spMkLst>
-        </pc:spChg>
-        <pc:cxnChg chg="mod">
-          <ac:chgData name="Moore, Jacob Preston" userId="fdd3fd0f-c483-48c9-988d-7deb216763fd" providerId="ADAL" clId="{EBF9353C-9552-4E23-99EB-6A40BB9FBC2C}" dt="2020-11-30T14:33:52.357" v="2" actId="1036"/>
-          <ac:cxnSpMkLst>
-            <pc:docMk/>
-            <pc:sldMk cId="846471308" sldId="264"/>
-            <ac:cxnSpMk id="5" creationId="{00000000-0000-0000-0000-000000000000}"/>
-          </ac:cxnSpMkLst>
-        </pc:cxnChg>
-        <pc:cxnChg chg="mod">
-          <ac:chgData name="Moore, Jacob Preston" userId="fdd3fd0f-c483-48c9-988d-7deb216763fd" providerId="ADAL" clId="{EBF9353C-9552-4E23-99EB-6A40BB9FBC2C}" dt="2020-11-30T14:33:52.357" v="2" actId="1036"/>
-          <ac:cxnSpMkLst>
-            <pc:docMk/>
-            <pc:sldMk cId="846471308" sldId="264"/>
-            <ac:cxnSpMk id="7" creationId="{00000000-0000-0000-0000-000000000000}"/>
-          </ac:cxnSpMkLst>
-        </pc:cxnChg>
-        <pc:cxnChg chg="mod">
-          <ac:chgData name="Moore, Jacob Preston" userId="fdd3fd0f-c483-48c9-988d-7deb216763fd" providerId="ADAL" clId="{EBF9353C-9552-4E23-99EB-6A40BB9FBC2C}" dt="2020-11-30T14:33:52.357" v="2" actId="1036"/>
-          <ac:cxnSpMkLst>
-            <pc:docMk/>
-            <pc:sldMk cId="846471308" sldId="264"/>
-            <ac:cxnSpMk id="8" creationId="{00000000-0000-0000-0000-000000000000}"/>
-          </ac:cxnSpMkLst>
-        </pc:cxnChg>
-        <pc:cxnChg chg="mod">
-          <ac:chgData name="Moore, Jacob Preston" userId="fdd3fd0f-c483-48c9-988d-7deb216763fd" providerId="ADAL" clId="{EBF9353C-9552-4E23-99EB-6A40BB9FBC2C}" dt="2020-11-30T14:33:52.357" v="2" actId="1036"/>
-          <ac:cxnSpMkLst>
-            <pc:docMk/>
-            <pc:sldMk cId="846471308" sldId="264"/>
-            <ac:cxnSpMk id="12" creationId="{00000000-0000-0000-0000-000000000000}"/>
-          </ac:cxnSpMkLst>
-        </pc:cxnChg>
-        <pc:cxnChg chg="mod">
-          <ac:chgData name="Moore, Jacob Preston" userId="fdd3fd0f-c483-48c9-988d-7deb216763fd" providerId="ADAL" clId="{EBF9353C-9552-4E23-99EB-6A40BB9FBC2C}" dt="2020-11-30T14:33:52.357" v="2" actId="1036"/>
-          <ac:cxnSpMkLst>
-            <pc:docMk/>
-            <pc:sldMk cId="846471308" sldId="264"/>
-            <ac:cxnSpMk id="18" creationId="{00000000-0000-0000-0000-000000000000}"/>
-          </ac:cxnSpMkLst>
-        </pc:cxnChg>
-      </pc:sldChg>
-    </pc:docChg>
-  </pc:docChgLst>
   <pc:docChgLst>
     <pc:chgData name="Moore, Jacob Preston" userId="fdd3fd0f-c483-48c9-988d-7deb216763fd" providerId="ADAL" clId="{7A94122F-DF8E-44E7-B017-EB0A1E258F7D}"/>
     <pc:docChg chg="custSel addSld delSld modSld">
@@ -435,6 +325,118 @@
       </pc:sldChg>
     </pc:docChg>
   </pc:docChgLst>
+  <pc:docChgLst>
+    <pc:chgData name="Moore, Jacob Preston" userId="fdd3fd0f-c483-48c9-988d-7deb216763fd" providerId="ADAL" clId="{EBF9353C-9552-4E23-99EB-6A40BB9FBC2C}"/>
+    <pc:docChg chg="undo modSld">
+      <pc:chgData name="Moore, Jacob Preston" userId="fdd3fd0f-c483-48c9-988d-7deb216763fd" providerId="ADAL" clId="{EBF9353C-9552-4E23-99EB-6A40BB9FBC2C}" dt="2020-11-30T14:33:52.357" v="2" actId="1036"/>
+      <pc:docMkLst>
+        <pc:docMk/>
+      </pc:docMkLst>
+      <pc:sldChg chg="modSp">
+        <pc:chgData name="Moore, Jacob Preston" userId="fdd3fd0f-c483-48c9-988d-7deb216763fd" providerId="ADAL" clId="{EBF9353C-9552-4E23-99EB-6A40BB9FBC2C}" dt="2020-11-30T14:33:52.357" v="2" actId="1036"/>
+        <pc:sldMkLst>
+          <pc:docMk/>
+          <pc:sldMk cId="846471308" sldId="264"/>
+        </pc:sldMkLst>
+        <pc:spChg chg="mod">
+          <ac:chgData name="Moore, Jacob Preston" userId="fdd3fd0f-c483-48c9-988d-7deb216763fd" providerId="ADAL" clId="{EBF9353C-9552-4E23-99EB-6A40BB9FBC2C}" dt="2020-11-30T14:33:17.531" v="1" actId="1076"/>
+          <ac:spMkLst>
+            <pc:docMk/>
+            <pc:sldMk cId="846471308" sldId="264"/>
+            <ac:spMk id="2" creationId="{00000000-0000-0000-0000-000000000000}"/>
+          </ac:spMkLst>
+        </pc:spChg>
+        <pc:spChg chg="mod">
+          <ac:chgData name="Moore, Jacob Preston" userId="fdd3fd0f-c483-48c9-988d-7deb216763fd" providerId="ADAL" clId="{EBF9353C-9552-4E23-99EB-6A40BB9FBC2C}" dt="2020-11-30T14:33:52.357" v="2" actId="1036"/>
+          <ac:spMkLst>
+            <pc:docMk/>
+            <pc:sldMk cId="846471308" sldId="264"/>
+            <ac:spMk id="4" creationId="{00000000-0000-0000-0000-000000000000}"/>
+          </ac:spMkLst>
+        </pc:spChg>
+        <pc:spChg chg="mod">
+          <ac:chgData name="Moore, Jacob Preston" userId="fdd3fd0f-c483-48c9-988d-7deb216763fd" providerId="ADAL" clId="{EBF9353C-9552-4E23-99EB-6A40BB9FBC2C}" dt="2020-11-30T14:33:52.357" v="2" actId="1036"/>
+          <ac:spMkLst>
+            <pc:docMk/>
+            <pc:sldMk cId="846471308" sldId="264"/>
+            <ac:spMk id="6" creationId="{00000000-0000-0000-0000-000000000000}"/>
+          </ac:spMkLst>
+        </pc:spChg>
+        <pc:spChg chg="mod">
+          <ac:chgData name="Moore, Jacob Preston" userId="fdd3fd0f-c483-48c9-988d-7deb216763fd" providerId="ADAL" clId="{EBF9353C-9552-4E23-99EB-6A40BB9FBC2C}" dt="2020-11-30T14:33:52.357" v="2" actId="1036"/>
+          <ac:spMkLst>
+            <pc:docMk/>
+            <pc:sldMk cId="846471308" sldId="264"/>
+            <ac:spMk id="9" creationId="{00000000-0000-0000-0000-000000000000}"/>
+          </ac:spMkLst>
+        </pc:spChg>
+        <pc:spChg chg="mod">
+          <ac:chgData name="Moore, Jacob Preston" userId="fdd3fd0f-c483-48c9-988d-7deb216763fd" providerId="ADAL" clId="{EBF9353C-9552-4E23-99EB-6A40BB9FBC2C}" dt="2020-11-30T14:33:52.357" v="2" actId="1036"/>
+          <ac:spMkLst>
+            <pc:docMk/>
+            <pc:sldMk cId="846471308" sldId="264"/>
+            <ac:spMk id="10" creationId="{00000000-0000-0000-0000-000000000000}"/>
+          </ac:spMkLst>
+        </pc:spChg>
+        <pc:spChg chg="mod">
+          <ac:chgData name="Moore, Jacob Preston" userId="fdd3fd0f-c483-48c9-988d-7deb216763fd" providerId="ADAL" clId="{EBF9353C-9552-4E23-99EB-6A40BB9FBC2C}" dt="2020-11-30T14:33:52.357" v="2" actId="1036"/>
+          <ac:spMkLst>
+            <pc:docMk/>
+            <pc:sldMk cId="846471308" sldId="264"/>
+            <ac:spMk id="11" creationId="{00000000-0000-0000-0000-000000000000}"/>
+          </ac:spMkLst>
+        </pc:spChg>
+        <pc:spChg chg="mod">
+          <ac:chgData name="Moore, Jacob Preston" userId="fdd3fd0f-c483-48c9-988d-7deb216763fd" providerId="ADAL" clId="{EBF9353C-9552-4E23-99EB-6A40BB9FBC2C}" dt="2020-11-30T14:33:52.357" v="2" actId="1036"/>
+          <ac:spMkLst>
+            <pc:docMk/>
+            <pc:sldMk cId="846471308" sldId="264"/>
+            <ac:spMk id="13" creationId="{00000000-0000-0000-0000-000000000000}"/>
+          </ac:spMkLst>
+        </pc:spChg>
+        <pc:cxnChg chg="mod">
+          <ac:chgData name="Moore, Jacob Preston" userId="fdd3fd0f-c483-48c9-988d-7deb216763fd" providerId="ADAL" clId="{EBF9353C-9552-4E23-99EB-6A40BB9FBC2C}" dt="2020-11-30T14:33:52.357" v="2" actId="1036"/>
+          <ac:cxnSpMkLst>
+            <pc:docMk/>
+            <pc:sldMk cId="846471308" sldId="264"/>
+            <ac:cxnSpMk id="5" creationId="{00000000-0000-0000-0000-000000000000}"/>
+          </ac:cxnSpMkLst>
+        </pc:cxnChg>
+        <pc:cxnChg chg="mod">
+          <ac:chgData name="Moore, Jacob Preston" userId="fdd3fd0f-c483-48c9-988d-7deb216763fd" providerId="ADAL" clId="{EBF9353C-9552-4E23-99EB-6A40BB9FBC2C}" dt="2020-11-30T14:33:52.357" v="2" actId="1036"/>
+          <ac:cxnSpMkLst>
+            <pc:docMk/>
+            <pc:sldMk cId="846471308" sldId="264"/>
+            <ac:cxnSpMk id="7" creationId="{00000000-0000-0000-0000-000000000000}"/>
+          </ac:cxnSpMkLst>
+        </pc:cxnChg>
+        <pc:cxnChg chg="mod">
+          <ac:chgData name="Moore, Jacob Preston" userId="fdd3fd0f-c483-48c9-988d-7deb216763fd" providerId="ADAL" clId="{EBF9353C-9552-4E23-99EB-6A40BB9FBC2C}" dt="2020-11-30T14:33:52.357" v="2" actId="1036"/>
+          <ac:cxnSpMkLst>
+            <pc:docMk/>
+            <pc:sldMk cId="846471308" sldId="264"/>
+            <ac:cxnSpMk id="8" creationId="{00000000-0000-0000-0000-000000000000}"/>
+          </ac:cxnSpMkLst>
+        </pc:cxnChg>
+        <pc:cxnChg chg="mod">
+          <ac:chgData name="Moore, Jacob Preston" userId="fdd3fd0f-c483-48c9-988d-7deb216763fd" providerId="ADAL" clId="{EBF9353C-9552-4E23-99EB-6A40BB9FBC2C}" dt="2020-11-30T14:33:52.357" v="2" actId="1036"/>
+          <ac:cxnSpMkLst>
+            <pc:docMk/>
+            <pc:sldMk cId="846471308" sldId="264"/>
+            <ac:cxnSpMk id="12" creationId="{00000000-0000-0000-0000-000000000000}"/>
+          </ac:cxnSpMkLst>
+        </pc:cxnChg>
+        <pc:cxnChg chg="mod">
+          <ac:chgData name="Moore, Jacob Preston" userId="fdd3fd0f-c483-48c9-988d-7deb216763fd" providerId="ADAL" clId="{EBF9353C-9552-4E23-99EB-6A40BB9FBC2C}" dt="2020-11-30T14:33:52.357" v="2" actId="1036"/>
+          <ac:cxnSpMkLst>
+            <pc:docMk/>
+            <pc:sldMk cId="846471308" sldId="264"/>
+            <ac:cxnSpMk id="18" creationId="{00000000-0000-0000-0000-000000000000}"/>
+          </ac:cxnSpMkLst>
+        </pc:cxnChg>
+      </pc:sldChg>
+    </pc:docChg>
+  </pc:docChgLst>
 </pc:chgInfo>
 </file>
 
@@ -520,7 +522,7 @@
           <a:p>
             <a:fld id="{1AA1AB63-216F-4D5B-8811-CCB935E98D4A}" type="datetimeFigureOut">
               <a:rPr lang="en-US" smtClean="0"/>
-              <a:t>11/30/2020</a:t>
+              <a:t>2/10/2022</a:t>
             </a:fld>
             <a:endParaRPr lang="en-US"/>
           </a:p>
@@ -946,6 +948,174 @@
     <p:extLst>
       <p:ext uri="{BB962C8B-B14F-4D97-AF65-F5344CB8AC3E}">
         <p14:creationId xmlns:p14="http://schemas.microsoft.com/office/powerpoint/2010/main" val="416304765"/>
+      </p:ext>
+    </p:extLst>
+  </p:cSld>
+  <p:clrMapOvr>
+    <a:masterClrMapping/>
+  </p:clrMapOvr>
+</p:notes>
+</file>
+
+<file path=ppt/notesSlides/notesSlide3.xml><?xml version="1.0" encoding="utf-8"?>
+<p:notes xmlns:a="http://schemas.openxmlformats.org/drawingml/2006/main" xmlns:r="http://schemas.openxmlformats.org/officeDocument/2006/relationships" xmlns:p="http://schemas.openxmlformats.org/presentationml/2006/main">
+  <p:cSld>
+    <p:spTree>
+      <p:nvGrpSpPr>
+        <p:cNvPr id="1" name=""/>
+        <p:cNvGrpSpPr/>
+        <p:nvPr/>
+      </p:nvGrpSpPr>
+      <p:grpSpPr>
+        <a:xfrm>
+          <a:off x="0" y="0"/>
+          <a:ext cx="0" cy="0"/>
+          <a:chOff x="0" y="0"/>
+          <a:chExt cx="0" cy="0"/>
+        </a:xfrm>
+      </p:grpSpPr>
+      <p:sp>
+        <p:nvSpPr>
+          <p:cNvPr id="2" name="Slide Image Placeholder 1"/>
+          <p:cNvSpPr>
+            <a:spLocks noGrp="1" noRot="1" noChangeAspect="1"/>
+          </p:cNvSpPr>
+          <p:nvPr>
+            <p:ph type="sldImg"/>
+          </p:nvPr>
+        </p:nvSpPr>
+        <p:spPr/>
+      </p:sp>
+      <p:sp>
+        <p:nvSpPr>
+          <p:cNvPr id="3" name="Notes Placeholder 2"/>
+          <p:cNvSpPr>
+            <a:spLocks noGrp="1"/>
+          </p:cNvSpPr>
+          <p:nvPr>
+            <p:ph type="body" idx="1"/>
+          </p:nvPr>
+        </p:nvSpPr>
+        <p:spPr/>
+        <p:txBody>
+          <a:bodyPr/>
+          <a:lstStyle/>
+          <a:p>
+            <a:endParaRPr lang="en-US" dirty="0"/>
+          </a:p>
+        </p:txBody>
+      </p:sp>
+      <p:sp>
+        <p:nvSpPr>
+          <p:cNvPr id="4" name="Slide Number Placeholder 3"/>
+          <p:cNvSpPr>
+            <a:spLocks noGrp="1"/>
+          </p:cNvSpPr>
+          <p:nvPr>
+            <p:ph type="sldNum" sz="quarter" idx="10"/>
+          </p:nvPr>
+        </p:nvSpPr>
+        <p:spPr/>
+        <p:txBody>
+          <a:bodyPr/>
+          <a:lstStyle/>
+          <a:p>
+            <a:fld id="{D071503E-B3EF-424C-B3CC-B319B8E34A61}" type="slidenum">
+              <a:rPr lang="en-US" smtClean="0"/>
+              <a:t>11</a:t>
+            </a:fld>
+            <a:endParaRPr lang="en-US" dirty="0"/>
+          </a:p>
+        </p:txBody>
+      </p:sp>
+    </p:spTree>
+    <p:extLst>
+      <p:ext uri="{BB962C8B-B14F-4D97-AF65-F5344CB8AC3E}">
+        <p14:creationId xmlns:p14="http://schemas.microsoft.com/office/powerpoint/2010/main" val="3477277371"/>
+      </p:ext>
+    </p:extLst>
+  </p:cSld>
+  <p:clrMapOvr>
+    <a:masterClrMapping/>
+  </p:clrMapOvr>
+</p:notes>
+</file>
+
+<file path=ppt/notesSlides/notesSlide4.xml><?xml version="1.0" encoding="utf-8"?>
+<p:notes xmlns:a="http://schemas.openxmlformats.org/drawingml/2006/main" xmlns:r="http://schemas.openxmlformats.org/officeDocument/2006/relationships" xmlns:p="http://schemas.openxmlformats.org/presentationml/2006/main">
+  <p:cSld>
+    <p:spTree>
+      <p:nvGrpSpPr>
+        <p:cNvPr id="1" name=""/>
+        <p:cNvGrpSpPr/>
+        <p:nvPr/>
+      </p:nvGrpSpPr>
+      <p:grpSpPr>
+        <a:xfrm>
+          <a:off x="0" y="0"/>
+          <a:ext cx="0" cy="0"/>
+          <a:chOff x="0" y="0"/>
+          <a:chExt cx="0" cy="0"/>
+        </a:xfrm>
+      </p:grpSpPr>
+      <p:sp>
+        <p:nvSpPr>
+          <p:cNvPr id="2" name="Slide Image Placeholder 1"/>
+          <p:cNvSpPr>
+            <a:spLocks noGrp="1" noRot="1" noChangeAspect="1"/>
+          </p:cNvSpPr>
+          <p:nvPr>
+            <p:ph type="sldImg"/>
+          </p:nvPr>
+        </p:nvSpPr>
+        <p:spPr/>
+      </p:sp>
+      <p:sp>
+        <p:nvSpPr>
+          <p:cNvPr id="3" name="Notes Placeholder 2"/>
+          <p:cNvSpPr>
+            <a:spLocks noGrp="1"/>
+          </p:cNvSpPr>
+          <p:nvPr>
+            <p:ph type="body" idx="1"/>
+          </p:nvPr>
+        </p:nvSpPr>
+        <p:spPr/>
+        <p:txBody>
+          <a:bodyPr/>
+          <a:lstStyle/>
+          <a:p>
+            <a:endParaRPr lang="en-US" dirty="0"/>
+          </a:p>
+        </p:txBody>
+      </p:sp>
+      <p:sp>
+        <p:nvSpPr>
+          <p:cNvPr id="4" name="Slide Number Placeholder 3"/>
+          <p:cNvSpPr>
+            <a:spLocks noGrp="1"/>
+          </p:cNvSpPr>
+          <p:nvPr>
+            <p:ph type="sldNum" sz="quarter" idx="10"/>
+          </p:nvPr>
+        </p:nvSpPr>
+        <p:spPr/>
+        <p:txBody>
+          <a:bodyPr/>
+          <a:lstStyle/>
+          <a:p>
+            <a:fld id="{D071503E-B3EF-424C-B3CC-B319B8E34A61}" type="slidenum">
+              <a:rPr lang="en-US" smtClean="0"/>
+              <a:t>12</a:t>
+            </a:fld>
+            <a:endParaRPr lang="en-US" dirty="0"/>
+          </a:p>
+        </p:txBody>
+      </p:sp>
+    </p:spTree>
+    <p:extLst>
+      <p:ext uri="{BB962C8B-B14F-4D97-AF65-F5344CB8AC3E}">
+        <p14:creationId xmlns:p14="http://schemas.microsoft.com/office/powerpoint/2010/main" val="2592337154"/>
       </p:ext>
     </p:extLst>
   </p:cSld>
@@ -4228,7 +4398,7 @@
           <a:p>
             <a:r>
               <a:rPr lang="en-US" dirty="0"/>
-              <a:t>Slipping vs. Tipping Practice Problem</a:t>
+              <a:t>Slipping vs. Tipping Worked Example</a:t>
             </a:r>
           </a:p>
         </p:txBody>
@@ -4243,15 +4413,25 @@
             <p:ph idx="1"/>
           </p:nvPr>
         </p:nvSpPr>
-        <p:spPr/>
+        <p:spPr>
+          <a:xfrm>
+            <a:off x="457200" y="1600200"/>
+            <a:ext cx="8229600" cy="1687283"/>
+          </a:xfrm>
+        </p:spPr>
         <p:txBody>
-          <a:bodyPr/>
+          <a:bodyPr>
+            <a:normAutofit fontScale="70000" lnSpcReduction="20000"/>
+          </a:bodyPr>
           <a:lstStyle/>
           <a:p>
             <a:r>
               <a:rPr lang="en-US" dirty="0"/>
-              <a:t>What is the largest value of d that will allow the box to slide along the surface before it tips over.</a:t>
+              <a:t>A box with the dimensions shown below is placed on a flat surface. We increase the magnitude of the pushing force until the box either tips over or begins to slide. What is the largest value of d that will allow the box to slide along the surface before it tips over. Assume the center of mass of the box is at the center point of the box.</a:t>
             </a:r>
+          </a:p>
+          <a:p>
+            <a:endParaRPr lang="en-US" dirty="0"/>
           </a:p>
           <a:p>
             <a:endParaRPr lang="en-US" dirty="0"/>
@@ -4393,7 +4573,7 @@
         </p:nvSpPr>
         <p:spPr>
           <a:xfrm>
-            <a:off x="2514600" y="3124200"/>
+            <a:off x="2514600" y="3363686"/>
             <a:ext cx="2209800" cy="2514600"/>
           </a:xfrm>
           <a:prstGeom prst="rect">
@@ -4436,7 +4616,7 @@
         </p:nvSpPr>
         <p:spPr>
           <a:xfrm>
-            <a:off x="609600" y="5638800"/>
+            <a:off x="609600" y="5878286"/>
             <a:ext cx="5344886" cy="283029"/>
           </a:xfrm>
           <a:prstGeom prst="rect">
@@ -4476,7 +4656,7 @@
         </p:nvCxnSpPr>
         <p:spPr>
           <a:xfrm>
-            <a:off x="962836" y="4343400"/>
+            <a:off x="962836" y="4582886"/>
             <a:ext cx="1551763" cy="0"/>
           </a:xfrm>
           <a:prstGeom prst="straightConnector1">
@@ -4505,8 +4685,8 @@
           </a:fontRef>
         </p:style>
       </p:cxnSp>
-      <mc:AlternateContent xmlns:mc="http://schemas.openxmlformats.org/markup-compatibility/2006" xmlns:a14="http://schemas.microsoft.com/office/drawing/2010/main">
-        <mc:Choice Requires="a14">
+      <mc:AlternateContent xmlns:mc="http://schemas.openxmlformats.org/markup-compatibility/2006">
+        <mc:Choice xmlns:a14="http://schemas.microsoft.com/office/drawing/2010/main" Requires="a14">
           <p:sp>
             <p:nvSpPr>
               <p:cNvPr id="8" name="Rectangle 7"/>
@@ -4515,7 +4695,7 @@
             </p:nvSpPr>
             <p:spPr>
               <a:xfrm>
-                <a:off x="223950" y="4114800"/>
+                <a:off x="223950" y="4354286"/>
                 <a:ext cx="771300" cy="394019"/>
               </a:xfrm>
               <a:prstGeom prst="rect">
@@ -4583,7 +4763,7 @@
             </p:txBody>
           </p:sp>
         </mc:Choice>
-        <mc:Fallback xmlns="">
+        <mc:Fallback>
           <p:sp>
             <p:nvSpPr>
               <p:cNvPr id="8" name="Rectangle 7"/>
@@ -4594,13 +4774,13 @@
             </p:nvSpPr>
             <p:spPr>
               <a:xfrm>
-                <a:off x="223950" y="4114800"/>
+                <a:off x="223950" y="4354286"/>
                 <a:ext cx="771300" cy="394019"/>
               </a:xfrm>
               <a:prstGeom prst="rect">
                 <a:avLst/>
               </a:prstGeom>
-              <a:blipFill rotWithShape="1">
+              <a:blipFill>
                 <a:blip r:embed="rId4"/>
                 <a:stretch>
                   <a:fillRect b="-9231"/>
@@ -4630,7 +4810,7 @@
         </p:nvCxnSpPr>
         <p:spPr>
           <a:xfrm flipH="1">
-            <a:off x="4800601" y="3124200"/>
+            <a:off x="4800601" y="3363686"/>
             <a:ext cx="761999" cy="1"/>
           </a:xfrm>
           <a:prstGeom prst="line">
@@ -4660,7 +4840,7 @@
         </p:nvCxnSpPr>
         <p:spPr>
           <a:xfrm>
-            <a:off x="4713514" y="5780314"/>
+            <a:off x="4713514" y="6019800"/>
             <a:ext cx="0" cy="762000"/>
           </a:xfrm>
           <a:prstGeom prst="line">
@@ -4690,7 +4870,7 @@
         </p:nvCxnSpPr>
         <p:spPr>
           <a:xfrm>
-            <a:off x="2503714" y="5780314"/>
+            <a:off x="2503714" y="6019800"/>
             <a:ext cx="0" cy="762000"/>
           </a:xfrm>
           <a:prstGeom prst="line">
@@ -4720,7 +4900,7 @@
         </p:nvCxnSpPr>
         <p:spPr>
           <a:xfrm>
-            <a:off x="5181600" y="3124200"/>
+            <a:off x="5181600" y="3363686"/>
             <a:ext cx="0" cy="2514600"/>
           </a:xfrm>
           <a:prstGeom prst="line">
@@ -4750,7 +4930,7 @@
         </p:nvCxnSpPr>
         <p:spPr>
           <a:xfrm>
-            <a:off x="1981200" y="4343400"/>
+            <a:off x="1981200" y="4582886"/>
             <a:ext cx="0" cy="1295400"/>
           </a:xfrm>
           <a:prstGeom prst="line">
@@ -4780,7 +4960,7 @@
         </p:nvCxnSpPr>
         <p:spPr>
           <a:xfrm flipH="1" flipV="1">
-            <a:off x="2514600" y="6302829"/>
+            <a:off x="2514600" y="6542315"/>
             <a:ext cx="2198914" cy="1"/>
           </a:xfrm>
           <a:prstGeom prst="line">
@@ -4810,7 +4990,7 @@
         </p:nvSpPr>
         <p:spPr>
           <a:xfrm>
-            <a:off x="4953000" y="4298721"/>
+            <a:off x="4953000" y="4538207"/>
             <a:ext cx="503664" cy="369332"/>
           </a:xfrm>
           <a:prstGeom prst="rect">
@@ -4845,7 +5025,7 @@
         </p:nvSpPr>
         <p:spPr>
           <a:xfrm>
-            <a:off x="1698920" y="4812268"/>
+            <a:off x="1698920" y="5051754"/>
             <a:ext cx="564559" cy="369332"/>
           </a:xfrm>
           <a:prstGeom prst="rect">
@@ -4881,7 +5061,7 @@
         </p:nvSpPr>
         <p:spPr>
           <a:xfrm>
-            <a:off x="3352800" y="6107668"/>
+            <a:off x="3352800" y="6347154"/>
             <a:ext cx="531902" cy="369332"/>
           </a:xfrm>
           <a:prstGeom prst="rect">
@@ -4913,6 +5093,1632 @@
     <p:extLst>
       <p:ext uri="{BB962C8B-B14F-4D97-AF65-F5344CB8AC3E}">
         <p14:creationId xmlns:p14="http://schemas.microsoft.com/office/powerpoint/2010/main" val="1070186057"/>
+      </p:ext>
+    </p:extLst>
+  </p:cSld>
+  <p:clrMapOvr>
+    <a:masterClrMapping/>
+  </p:clrMapOvr>
+</p:sld>
+</file>
+
+<file path=ppt/slides/slide11.xml><?xml version="1.0" encoding="utf-8"?>
+<p:sld xmlns:a="http://schemas.openxmlformats.org/drawingml/2006/main" xmlns:r="http://schemas.openxmlformats.org/officeDocument/2006/relationships" xmlns:p="http://schemas.openxmlformats.org/presentationml/2006/main">
+  <p:cSld>
+    <p:spTree>
+      <p:nvGrpSpPr>
+        <p:cNvPr id="1" name=""/>
+        <p:cNvGrpSpPr/>
+        <p:nvPr/>
+      </p:nvGrpSpPr>
+      <p:grpSpPr>
+        <a:xfrm>
+          <a:off x="0" y="0"/>
+          <a:ext cx="0" cy="0"/>
+          <a:chOff x="0" y="0"/>
+          <a:chExt cx="0" cy="0"/>
+        </a:xfrm>
+      </p:grpSpPr>
+      <p:sp>
+        <p:nvSpPr>
+          <p:cNvPr id="2" name="Title 1"/>
+          <p:cNvSpPr>
+            <a:spLocks noGrp="1"/>
+          </p:cNvSpPr>
+          <p:nvPr>
+            <p:ph type="title"/>
+          </p:nvPr>
+        </p:nvSpPr>
+        <p:spPr/>
+        <p:txBody>
+          <a:bodyPr>
+            <a:normAutofit fontScale="90000"/>
+          </a:bodyPr>
+          <a:lstStyle/>
+          <a:p>
+            <a:r>
+              <a:rPr lang="en-US" dirty="0"/>
+              <a:t>Slipping vs. Tipping Worked Example</a:t>
+            </a:r>
+          </a:p>
+        </p:txBody>
+      </p:sp>
+      <p:sp>
+        <p:nvSpPr>
+          <p:cNvPr id="3" name="Content Placeholder 2"/>
+          <p:cNvSpPr>
+            <a:spLocks noGrp="1"/>
+          </p:cNvSpPr>
+          <p:nvPr>
+            <p:ph idx="1"/>
+          </p:nvPr>
+        </p:nvSpPr>
+        <p:spPr>
+          <a:xfrm>
+            <a:off x="457200" y="1600199"/>
+            <a:ext cx="7772400" cy="1719475"/>
+          </a:xfrm>
+        </p:spPr>
+        <p:txBody>
+          <a:bodyPr>
+            <a:normAutofit fontScale="77500" lnSpcReduction="20000"/>
+          </a:bodyPr>
+          <a:lstStyle/>
+          <a:p>
+            <a:r>
+              <a:rPr lang="en-US" dirty="0"/>
+              <a:t>A pushing force is applied to the box as shown below. The magnitude of the force is increased until the box either tips over or begins to slide. Which will occur first? Assume the center of mass of the box is at the center point of the box.</a:t>
+            </a:r>
+          </a:p>
+          <a:p>
+            <a:endParaRPr lang="en-US" dirty="0"/>
+          </a:p>
+          <a:p>
+            <a:endParaRPr lang="en-US" dirty="0"/>
+          </a:p>
+        </p:txBody>
+      </p:sp>
+      <mc:AlternateContent xmlns:mc="http://schemas.openxmlformats.org/markup-compatibility/2006">
+        <mc:Choice xmlns:a14="http://schemas.microsoft.com/office/drawing/2010/main" Requires="a14">
+          <p:sp>
+            <p:nvSpPr>
+              <p:cNvPr id="4" name="Rectangle 3"/>
+              <p:cNvSpPr/>
+              <p:nvPr/>
+            </p:nvSpPr>
+            <p:spPr>
+              <a:xfrm>
+                <a:off x="5943600" y="4418924"/>
+                <a:ext cx="1739387" cy="584775"/>
+              </a:xfrm>
+              <a:prstGeom prst="rect">
+                <a:avLst/>
+              </a:prstGeom>
+            </p:spPr>
+            <p:txBody>
+              <a:bodyPr wrap="none">
+                <a:spAutoFit/>
+              </a:bodyPr>
+              <a:lstStyle/>
+              <a:p>
+                <a:pPr/>
+                <a14:m>
+                  <m:oMathPara xmlns:m="http://schemas.openxmlformats.org/officeDocument/2006/math">
+                    <m:oMathParaPr>
+                      <m:jc m:val="centerGroup"/>
+                    </m:oMathParaPr>
+                    <m:oMath xmlns:m="http://schemas.openxmlformats.org/officeDocument/2006/math">
+                      <m:sSub>
+                        <m:sSubPr>
+                          <m:ctrlPr>
+                            <a:rPr lang="en-US" sz="3200" i="1" smtClean="0">
+                              <a:solidFill>
+                                <a:schemeClr val="tx1"/>
+                              </a:solidFill>
+                              <a:latin typeface="Cambria Math" panose="02040503050406030204" pitchFamily="18" charset="0"/>
+                            </a:rPr>
+                          </m:ctrlPr>
+                        </m:sSubPr>
+                        <m:e>
+                          <m:r>
+                            <m:rPr>
+                              <m:sty m:val="p"/>
+                            </m:rPr>
+                            <a:rPr lang="en-US" sz="3200">
+                              <a:solidFill>
+                                <a:schemeClr val="tx1"/>
+                              </a:solidFill>
+                              <a:latin typeface="Cambria Math"/>
+                              <a:ea typeface="Cambria Math"/>
+                            </a:rPr>
+                            <m:t>μ</m:t>
+                          </m:r>
+                        </m:e>
+                        <m:sub>
+                          <m:r>
+                            <m:rPr>
+                              <m:sty m:val="p"/>
+                            </m:rPr>
+                            <a:rPr lang="en-US" sz="3200">
+                              <a:solidFill>
+                                <a:schemeClr val="tx1"/>
+                              </a:solidFill>
+                              <a:latin typeface="Cambria Math"/>
+                            </a:rPr>
+                            <m:t>s</m:t>
+                          </m:r>
+                        </m:sub>
+                      </m:sSub>
+                      <m:r>
+                        <a:rPr lang="en-US" sz="3200" b="0" i="1" smtClean="0">
+                          <a:solidFill>
+                            <a:schemeClr val="tx1"/>
+                          </a:solidFill>
+                          <a:latin typeface="Cambria Math"/>
+                        </a:rPr>
+                        <m:t>=.</m:t>
+                      </m:r>
+                      <m:r>
+                        <a:rPr lang="en-US" sz="3200" b="0" i="1" smtClean="0">
+                          <a:solidFill>
+                            <a:schemeClr val="tx1"/>
+                          </a:solidFill>
+                          <a:latin typeface="Cambria Math" panose="02040503050406030204" pitchFamily="18" charset="0"/>
+                        </a:rPr>
+                        <m:t>45</m:t>
+                      </m:r>
+                    </m:oMath>
+                  </m:oMathPara>
+                </a14:m>
+                <a:endParaRPr lang="en-US" dirty="0"/>
+              </a:p>
+            </p:txBody>
+          </p:sp>
+        </mc:Choice>
+        <mc:Fallback>
+          <p:sp>
+            <p:nvSpPr>
+              <p:cNvPr id="4" name="Rectangle 3"/>
+              <p:cNvSpPr>
+                <a:spLocks noRot="1" noChangeAspect="1" noMove="1" noResize="1" noEditPoints="1" noAdjustHandles="1" noChangeArrowheads="1" noChangeShapeType="1" noTextEdit="1"/>
+              </p:cNvSpPr>
+              <p:nvPr/>
+            </p:nvSpPr>
+            <p:spPr>
+              <a:xfrm>
+                <a:off x="5943600" y="4418924"/>
+                <a:ext cx="1739387" cy="584775"/>
+              </a:xfrm>
+              <a:prstGeom prst="rect">
+                <a:avLst/>
+              </a:prstGeom>
+              <a:blipFill>
+                <a:blip r:embed="rId3"/>
+                <a:stretch>
+                  <a:fillRect/>
+                </a:stretch>
+              </a:blipFill>
+            </p:spPr>
+            <p:txBody>
+              <a:bodyPr/>
+              <a:lstStyle/>
+              <a:p>
+                <a:r>
+                  <a:rPr lang="en-US">
+                    <a:noFill/>
+                  </a:rPr>
+                  <a:t> </a:t>
+                </a:r>
+              </a:p>
+            </p:txBody>
+          </p:sp>
+        </mc:Fallback>
+      </mc:AlternateContent>
+      <p:sp>
+        <p:nvSpPr>
+          <p:cNvPr id="5" name="Rectangle 4"/>
+          <p:cNvSpPr/>
+          <p:nvPr/>
+        </p:nvSpPr>
+        <p:spPr>
+          <a:xfrm>
+            <a:off x="3545190" y="3467100"/>
+            <a:ext cx="1600200" cy="2514600"/>
+          </a:xfrm>
+          <a:prstGeom prst="rect">
+            <a:avLst/>
+          </a:prstGeom>
+          <a:solidFill>
+            <a:schemeClr val="bg2">
+              <a:lumMod val="75000"/>
+            </a:schemeClr>
+          </a:solidFill>
+          <a:ln>
+            <a:solidFill>
+              <a:schemeClr val="bg2">
+                <a:lumMod val="50000"/>
+              </a:schemeClr>
+            </a:solidFill>
+          </a:ln>
+        </p:spPr>
+        <p:style>
+          <a:lnRef idx="2">
+            <a:schemeClr val="accent6">
+              <a:shade val="50000"/>
+            </a:schemeClr>
+          </a:lnRef>
+          <a:fillRef idx="1">
+            <a:schemeClr val="accent6"/>
+          </a:fillRef>
+          <a:effectRef idx="0">
+            <a:schemeClr val="accent6"/>
+          </a:effectRef>
+          <a:fontRef idx="minor">
+            <a:schemeClr val="lt1"/>
+          </a:fontRef>
+        </p:style>
+        <p:txBody>
+          <a:bodyPr rtlCol="0" anchor="ctr"/>
+          <a:lstStyle/>
+          <a:p>
+            <a:pPr algn="ctr"/>
+            <a:r>
+              <a:rPr lang="en-US" dirty="0"/>
+              <a:t>80 lbs</a:t>
+            </a:r>
+          </a:p>
+        </p:txBody>
+      </p:sp>
+      <p:sp>
+        <p:nvSpPr>
+          <p:cNvPr id="6" name="Rectangle 5"/>
+          <p:cNvSpPr/>
+          <p:nvPr/>
+        </p:nvSpPr>
+        <p:spPr>
+          <a:xfrm>
+            <a:off x="1640190" y="5981700"/>
+            <a:ext cx="5344886" cy="283029"/>
+          </a:xfrm>
+          <a:prstGeom prst="rect">
+            <a:avLst/>
+          </a:prstGeom>
+          <a:solidFill>
+            <a:schemeClr val="bg1">
+              <a:lumMod val="75000"/>
+            </a:schemeClr>
+          </a:solidFill>
+          <a:ln>
+            <a:solidFill>
+              <a:schemeClr val="bg1">
+                <a:lumMod val="50000"/>
+              </a:schemeClr>
+            </a:solidFill>
+          </a:ln>
+        </p:spPr>
+        <p:style>
+          <a:lnRef idx="2">
+            <a:schemeClr val="dk1">
+              <a:shade val="50000"/>
+            </a:schemeClr>
+          </a:lnRef>
+          <a:fillRef idx="1">
+            <a:schemeClr val="dk1"/>
+          </a:fillRef>
+          <a:effectRef idx="0">
+            <a:schemeClr val="dk1"/>
+          </a:effectRef>
+          <a:fontRef idx="minor">
+            <a:schemeClr val="lt1"/>
+          </a:fontRef>
+        </p:style>
+        <p:txBody>
+          <a:bodyPr rtlCol="0" anchor="ctr"/>
+          <a:lstStyle/>
+          <a:p>
+            <a:pPr algn="ctr"/>
+            <a:endParaRPr lang="en-US"/>
+          </a:p>
+        </p:txBody>
+      </p:sp>
+      <p:cxnSp>
+        <p:nvCxnSpPr>
+          <p:cNvPr id="7" name="Straight Arrow Connector 6"/>
+          <p:cNvCxnSpPr>
+            <a:cxnSpLocks/>
+          </p:cNvCxnSpPr>
+          <p:nvPr/>
+        </p:nvCxnSpPr>
+        <p:spPr>
+          <a:xfrm flipV="1">
+            <a:off x="2729510" y="3467100"/>
+            <a:ext cx="804794" cy="609600"/>
+          </a:xfrm>
+          <a:prstGeom prst="straightConnector1">
+            <a:avLst/>
+          </a:prstGeom>
+          <a:ln>
+            <a:solidFill>
+              <a:srgbClr val="FF0000"/>
+            </a:solidFill>
+            <a:prstDash val="solid"/>
+            <a:tailEnd type="arrow"/>
+          </a:ln>
+        </p:spPr>
+        <p:style>
+          <a:lnRef idx="2">
+            <a:schemeClr val="accent2"/>
+          </a:lnRef>
+          <a:fillRef idx="0">
+            <a:schemeClr val="accent2"/>
+          </a:fillRef>
+          <a:effectRef idx="1">
+            <a:schemeClr val="accent2"/>
+          </a:effectRef>
+          <a:fontRef idx="minor">
+            <a:schemeClr val="tx1"/>
+          </a:fontRef>
+        </p:style>
+      </p:cxnSp>
+      <mc:AlternateContent xmlns:mc="http://schemas.openxmlformats.org/markup-compatibility/2006">
+        <mc:Choice xmlns:a14="http://schemas.microsoft.com/office/drawing/2010/main" Requires="a14">
+          <p:sp>
+            <p:nvSpPr>
+              <p:cNvPr id="8" name="Rectangle 7"/>
+              <p:cNvSpPr/>
+              <p:nvPr/>
+            </p:nvSpPr>
+            <p:spPr>
+              <a:xfrm>
+                <a:off x="2082054" y="4024905"/>
+                <a:ext cx="771300" cy="394019"/>
+              </a:xfrm>
+              <a:prstGeom prst="rect">
+                <a:avLst/>
+              </a:prstGeom>
+            </p:spPr>
+            <p:txBody>
+              <a:bodyPr wrap="none">
+                <a:spAutoFit/>
+              </a:bodyPr>
+              <a:lstStyle/>
+              <a:p>
+                <a:pPr/>
+                <a14:m>
+                  <m:oMathPara xmlns:m="http://schemas.openxmlformats.org/officeDocument/2006/math">
+                    <m:oMathParaPr>
+                      <m:jc m:val="centerGroup"/>
+                    </m:oMathParaPr>
+                    <m:oMath xmlns:m="http://schemas.openxmlformats.org/officeDocument/2006/math">
+                      <m:sSub>
+                        <m:sSubPr>
+                          <m:ctrlPr>
+                            <a:rPr lang="en-US" i="1" smtClean="0">
+                              <a:solidFill>
+                                <a:srgbClr val="FF0000"/>
+                              </a:solidFill>
+                              <a:latin typeface="Cambria Math" panose="02040503050406030204" pitchFamily="18" charset="0"/>
+                            </a:rPr>
+                          </m:ctrlPr>
+                        </m:sSubPr>
+                        <m:e>
+                          <m:r>
+                            <m:rPr>
+                              <m:sty m:val="p"/>
+                            </m:rPr>
+                            <a:rPr lang="en-US">
+                              <a:solidFill>
+                                <a:srgbClr val="FF0000"/>
+                              </a:solidFill>
+                              <a:latin typeface="Cambria Math"/>
+                            </a:rPr>
+                            <m:t>F</m:t>
+                          </m:r>
+                        </m:e>
+                        <m:sub>
+                          <m:r>
+                            <m:rPr>
+                              <m:sty m:val="p"/>
+                            </m:rPr>
+                            <a:rPr lang="en-US" b="0" i="0" smtClean="0">
+                              <a:solidFill>
+                                <a:srgbClr val="FF0000"/>
+                              </a:solidFill>
+                              <a:latin typeface="Cambria Math"/>
+                            </a:rPr>
+                            <m:t>push</m:t>
+                          </m:r>
+                        </m:sub>
+                      </m:sSub>
+                    </m:oMath>
+                  </m:oMathPara>
+                </a14:m>
+                <a:endParaRPr lang="en-US" dirty="0"/>
+              </a:p>
+            </p:txBody>
+          </p:sp>
+        </mc:Choice>
+        <mc:Fallback>
+          <p:sp>
+            <p:nvSpPr>
+              <p:cNvPr id="8" name="Rectangle 7"/>
+              <p:cNvSpPr>
+                <a:spLocks noRot="1" noChangeAspect="1" noMove="1" noResize="1" noEditPoints="1" noAdjustHandles="1" noChangeArrowheads="1" noChangeShapeType="1" noTextEdit="1"/>
+              </p:cNvSpPr>
+              <p:nvPr/>
+            </p:nvSpPr>
+            <p:spPr>
+              <a:xfrm>
+                <a:off x="2082054" y="4024905"/>
+                <a:ext cx="771300" cy="394019"/>
+              </a:xfrm>
+              <a:prstGeom prst="rect">
+                <a:avLst/>
+              </a:prstGeom>
+              <a:blipFill>
+                <a:blip r:embed="rId4"/>
+                <a:stretch>
+                  <a:fillRect b="-9231"/>
+                </a:stretch>
+              </a:blipFill>
+            </p:spPr>
+            <p:txBody>
+              <a:bodyPr/>
+              <a:lstStyle/>
+              <a:p>
+                <a:r>
+                  <a:rPr lang="en-US">
+                    <a:noFill/>
+                  </a:rPr>
+                  <a:t> </a:t>
+                </a:r>
+              </a:p>
+            </p:txBody>
+          </p:sp>
+        </mc:Fallback>
+      </mc:AlternateContent>
+      <p:cxnSp>
+        <p:nvCxnSpPr>
+          <p:cNvPr id="9" name="Straight Connector 8"/>
+          <p:cNvCxnSpPr/>
+          <p:nvPr/>
+        </p:nvCxnSpPr>
+        <p:spPr>
+          <a:xfrm flipH="1">
+            <a:off x="5221590" y="3467100"/>
+            <a:ext cx="761999" cy="1"/>
+          </a:xfrm>
+          <a:prstGeom prst="line">
+            <a:avLst/>
+          </a:prstGeom>
+        </p:spPr>
+        <p:style>
+          <a:lnRef idx="1">
+            <a:schemeClr val="accent1"/>
+          </a:lnRef>
+          <a:fillRef idx="0">
+            <a:schemeClr val="accent1"/>
+          </a:fillRef>
+          <a:effectRef idx="0">
+            <a:schemeClr val="accent1"/>
+          </a:effectRef>
+          <a:fontRef idx="minor">
+            <a:schemeClr val="tx1"/>
+          </a:fontRef>
+        </p:style>
+      </p:cxnSp>
+      <p:cxnSp>
+        <p:nvCxnSpPr>
+          <p:cNvPr id="10" name="Straight Connector 9"/>
+          <p:cNvCxnSpPr>
+            <a:cxnSpLocks/>
+          </p:cNvCxnSpPr>
+          <p:nvPr/>
+        </p:nvCxnSpPr>
+        <p:spPr>
+          <a:xfrm>
+            <a:off x="5154915" y="6123214"/>
+            <a:ext cx="0" cy="512020"/>
+          </a:xfrm>
+          <a:prstGeom prst="line">
+            <a:avLst/>
+          </a:prstGeom>
+        </p:spPr>
+        <p:style>
+          <a:lnRef idx="1">
+            <a:schemeClr val="accent1"/>
+          </a:lnRef>
+          <a:fillRef idx="0">
+            <a:schemeClr val="accent1"/>
+          </a:fillRef>
+          <a:effectRef idx="0">
+            <a:schemeClr val="accent1"/>
+          </a:effectRef>
+          <a:fontRef idx="minor">
+            <a:schemeClr val="tx1"/>
+          </a:fontRef>
+        </p:style>
+      </p:cxnSp>
+      <p:cxnSp>
+        <p:nvCxnSpPr>
+          <p:cNvPr id="11" name="Straight Connector 10"/>
+          <p:cNvCxnSpPr>
+            <a:cxnSpLocks/>
+          </p:cNvCxnSpPr>
+          <p:nvPr/>
+        </p:nvCxnSpPr>
+        <p:spPr>
+          <a:xfrm>
+            <a:off x="3534304" y="6123214"/>
+            <a:ext cx="10886" cy="512020"/>
+          </a:xfrm>
+          <a:prstGeom prst="line">
+            <a:avLst/>
+          </a:prstGeom>
+        </p:spPr>
+        <p:style>
+          <a:lnRef idx="1">
+            <a:schemeClr val="accent1"/>
+          </a:lnRef>
+          <a:fillRef idx="0">
+            <a:schemeClr val="accent1"/>
+          </a:fillRef>
+          <a:effectRef idx="0">
+            <a:schemeClr val="accent1"/>
+          </a:effectRef>
+          <a:fontRef idx="minor">
+            <a:schemeClr val="tx1"/>
+          </a:fontRef>
+        </p:style>
+      </p:cxnSp>
+      <p:cxnSp>
+        <p:nvCxnSpPr>
+          <p:cNvPr id="12" name="Straight Connector 11"/>
+          <p:cNvCxnSpPr/>
+          <p:nvPr/>
+        </p:nvCxnSpPr>
+        <p:spPr>
+          <a:xfrm>
+            <a:off x="5574015" y="3467100"/>
+            <a:ext cx="0" cy="2514600"/>
+          </a:xfrm>
+          <a:prstGeom prst="line">
+            <a:avLst/>
+          </a:prstGeom>
+        </p:spPr>
+        <p:style>
+          <a:lnRef idx="1">
+            <a:schemeClr val="accent1"/>
+          </a:lnRef>
+          <a:fillRef idx="0">
+            <a:schemeClr val="accent1"/>
+          </a:fillRef>
+          <a:effectRef idx="0">
+            <a:schemeClr val="accent1"/>
+          </a:effectRef>
+          <a:fontRef idx="minor">
+            <a:schemeClr val="tx1"/>
+          </a:fontRef>
+        </p:style>
+      </p:cxnSp>
+      <p:cxnSp>
+        <p:nvCxnSpPr>
+          <p:cNvPr id="14" name="Straight Connector 13"/>
+          <p:cNvCxnSpPr>
+            <a:cxnSpLocks/>
+          </p:cNvCxnSpPr>
+          <p:nvPr/>
+        </p:nvCxnSpPr>
+        <p:spPr>
+          <a:xfrm flipH="1">
+            <a:off x="3545190" y="6504214"/>
+            <a:ext cx="1609725" cy="0"/>
+          </a:xfrm>
+          <a:prstGeom prst="line">
+            <a:avLst/>
+          </a:prstGeom>
+        </p:spPr>
+        <p:style>
+          <a:lnRef idx="1">
+            <a:schemeClr val="accent1"/>
+          </a:lnRef>
+          <a:fillRef idx="0">
+            <a:schemeClr val="accent1"/>
+          </a:fillRef>
+          <a:effectRef idx="0">
+            <a:schemeClr val="accent1"/>
+          </a:effectRef>
+          <a:fontRef idx="minor">
+            <a:schemeClr val="tx1"/>
+          </a:fontRef>
+        </p:style>
+      </p:cxnSp>
+      <p:sp>
+        <p:nvSpPr>
+          <p:cNvPr id="15" name="TextBox 14"/>
+          <p:cNvSpPr txBox="1"/>
+          <p:nvPr/>
+        </p:nvSpPr>
+        <p:spPr>
+          <a:xfrm>
+            <a:off x="5326365" y="4641621"/>
+            <a:ext cx="502061" cy="369332"/>
+          </a:xfrm>
+          <a:prstGeom prst="rect">
+            <a:avLst/>
+          </a:prstGeom>
+          <a:solidFill>
+            <a:schemeClr val="bg1"/>
+          </a:solidFill>
+        </p:spPr>
+        <p:txBody>
+          <a:bodyPr wrap="none" rtlCol="0">
+            <a:spAutoFit/>
+          </a:bodyPr>
+          <a:lstStyle/>
+          <a:p>
+            <a:r>
+              <a:rPr lang="en-US" dirty="0">
+                <a:solidFill>
+                  <a:schemeClr val="accent1"/>
+                </a:solidFill>
+              </a:rPr>
+              <a:t>3 ft</a:t>
+            </a:r>
+          </a:p>
+        </p:txBody>
+      </p:sp>
+      <p:sp>
+        <p:nvSpPr>
+          <p:cNvPr id="17" name="TextBox 16"/>
+          <p:cNvSpPr txBox="1"/>
+          <p:nvPr/>
+        </p:nvSpPr>
+        <p:spPr>
+          <a:xfrm>
+            <a:off x="4156288" y="6336268"/>
+            <a:ext cx="531902" cy="369332"/>
+          </a:xfrm>
+          <a:prstGeom prst="rect">
+            <a:avLst/>
+          </a:prstGeom>
+          <a:solidFill>
+            <a:schemeClr val="bg1"/>
+          </a:solidFill>
+        </p:spPr>
+        <p:txBody>
+          <a:bodyPr wrap="square" rtlCol="0">
+            <a:spAutoFit/>
+          </a:bodyPr>
+          <a:lstStyle/>
+          <a:p>
+            <a:pPr algn="ctr"/>
+            <a:r>
+              <a:rPr lang="en-US" dirty="0">
+                <a:solidFill>
+                  <a:schemeClr val="accent1"/>
+                </a:solidFill>
+              </a:rPr>
+              <a:t>1 ft</a:t>
+            </a:r>
+          </a:p>
+        </p:txBody>
+      </p:sp>
+      <p:sp>
+        <p:nvSpPr>
+          <p:cNvPr id="19" name="Arc 18">
+            <a:extLst>
+              <a:ext uri="{FF2B5EF4-FFF2-40B4-BE49-F238E27FC236}">
+                <a16:creationId xmlns:a16="http://schemas.microsoft.com/office/drawing/2014/main" id="{4248D110-4FD2-4299-95BF-CF6C348E4614}"/>
+              </a:ext>
+            </a:extLst>
+          </p:cNvPr>
+          <p:cNvSpPr/>
+          <p:nvPr/>
+        </p:nvSpPr>
+        <p:spPr>
+          <a:xfrm>
+            <a:off x="2830815" y="2781300"/>
+            <a:ext cx="1371600" cy="1371600"/>
+          </a:xfrm>
+          <a:prstGeom prst="arc">
+            <a:avLst>
+              <a:gd name="adj1" fmla="val 8443278"/>
+              <a:gd name="adj2" fmla="val 10723618"/>
+            </a:avLst>
+          </a:prstGeom>
+        </p:spPr>
+        <p:style>
+          <a:lnRef idx="1">
+            <a:schemeClr val="accent1"/>
+          </a:lnRef>
+          <a:fillRef idx="0">
+            <a:schemeClr val="accent1"/>
+          </a:fillRef>
+          <a:effectRef idx="0">
+            <a:schemeClr val="accent1"/>
+          </a:effectRef>
+          <a:fontRef idx="minor">
+            <a:schemeClr val="tx1"/>
+          </a:fontRef>
+        </p:style>
+        <p:txBody>
+          <a:bodyPr rtlCol="0" anchor="ctr"/>
+          <a:lstStyle/>
+          <a:p>
+            <a:pPr algn="ctr"/>
+            <a:endParaRPr lang="en-US"/>
+          </a:p>
+        </p:txBody>
+      </p:sp>
+      <p:cxnSp>
+        <p:nvCxnSpPr>
+          <p:cNvPr id="20" name="Straight Connector 19">
+            <a:extLst>
+              <a:ext uri="{FF2B5EF4-FFF2-40B4-BE49-F238E27FC236}">
+                <a16:creationId xmlns:a16="http://schemas.microsoft.com/office/drawing/2014/main" id="{4F008ED8-A84A-4444-A491-874F0B67B428}"/>
+              </a:ext>
+            </a:extLst>
+          </p:cNvPr>
+          <p:cNvCxnSpPr>
+            <a:cxnSpLocks/>
+          </p:cNvCxnSpPr>
+          <p:nvPr/>
+        </p:nvCxnSpPr>
+        <p:spPr>
+          <a:xfrm>
+            <a:off x="2518379" y="3471094"/>
+            <a:ext cx="1026811" cy="0"/>
+          </a:xfrm>
+          <a:prstGeom prst="line">
+            <a:avLst/>
+          </a:prstGeom>
+        </p:spPr>
+        <p:style>
+          <a:lnRef idx="1">
+            <a:schemeClr val="accent1"/>
+          </a:lnRef>
+          <a:fillRef idx="0">
+            <a:schemeClr val="accent1"/>
+          </a:fillRef>
+          <a:effectRef idx="0">
+            <a:schemeClr val="accent1"/>
+          </a:effectRef>
+          <a:fontRef idx="minor">
+            <a:schemeClr val="tx1"/>
+          </a:fontRef>
+        </p:style>
+      </p:cxnSp>
+      <p:sp>
+        <p:nvSpPr>
+          <p:cNvPr id="24" name="TextBox 23">
+            <a:extLst>
+              <a:ext uri="{FF2B5EF4-FFF2-40B4-BE49-F238E27FC236}">
+                <a16:creationId xmlns:a16="http://schemas.microsoft.com/office/drawing/2014/main" id="{3A74A2E9-3707-4BC1-B38B-B4FBED7B4A2C}"/>
+              </a:ext>
+            </a:extLst>
+          </p:cNvPr>
+          <p:cNvSpPr txBox="1"/>
+          <p:nvPr/>
+        </p:nvSpPr>
+        <p:spPr>
+          <a:xfrm>
+            <a:off x="2403081" y="3538325"/>
+            <a:ext cx="500458" cy="369332"/>
+          </a:xfrm>
+          <a:prstGeom prst="rect">
+            <a:avLst/>
+          </a:prstGeom>
+          <a:noFill/>
+        </p:spPr>
+        <p:txBody>
+          <a:bodyPr wrap="none" rtlCol="0">
+            <a:spAutoFit/>
+          </a:bodyPr>
+          <a:lstStyle/>
+          <a:p>
+            <a:r>
+              <a:rPr lang="en-US" dirty="0">
+                <a:solidFill>
+                  <a:schemeClr val="accent1"/>
+                </a:solidFill>
+              </a:rPr>
+              <a:t>35</a:t>
+            </a:r>
+            <a:r>
+              <a:rPr lang="en-US" baseline="30000" dirty="0">
+                <a:solidFill>
+                  <a:schemeClr val="accent1"/>
+                </a:solidFill>
+              </a:rPr>
+              <a:t>o</a:t>
+            </a:r>
+          </a:p>
+        </p:txBody>
+      </p:sp>
+    </p:spTree>
+    <p:extLst>
+      <p:ext uri="{BB962C8B-B14F-4D97-AF65-F5344CB8AC3E}">
+        <p14:creationId xmlns:p14="http://schemas.microsoft.com/office/powerpoint/2010/main" val="1753232330"/>
+      </p:ext>
+    </p:extLst>
+  </p:cSld>
+  <p:clrMapOvr>
+    <a:masterClrMapping/>
+  </p:clrMapOvr>
+</p:sld>
+</file>
+
+<file path=ppt/slides/slide12.xml><?xml version="1.0" encoding="utf-8"?>
+<p:sld xmlns:a="http://schemas.openxmlformats.org/drawingml/2006/main" xmlns:r="http://schemas.openxmlformats.org/officeDocument/2006/relationships" xmlns:p="http://schemas.openxmlformats.org/presentationml/2006/main">
+  <p:cSld>
+    <p:spTree>
+      <p:nvGrpSpPr>
+        <p:cNvPr id="1" name=""/>
+        <p:cNvGrpSpPr/>
+        <p:nvPr/>
+      </p:nvGrpSpPr>
+      <p:grpSpPr>
+        <a:xfrm>
+          <a:off x="0" y="0"/>
+          <a:ext cx="0" cy="0"/>
+          <a:chOff x="0" y="0"/>
+          <a:chExt cx="0" cy="0"/>
+        </a:xfrm>
+      </p:grpSpPr>
+      <p:sp>
+        <p:nvSpPr>
+          <p:cNvPr id="2" name="Title 1"/>
+          <p:cNvSpPr>
+            <a:spLocks noGrp="1"/>
+          </p:cNvSpPr>
+          <p:nvPr>
+            <p:ph type="title"/>
+          </p:nvPr>
+        </p:nvSpPr>
+        <p:spPr/>
+        <p:txBody>
+          <a:bodyPr>
+            <a:normAutofit fontScale="90000"/>
+          </a:bodyPr>
+          <a:lstStyle/>
+          <a:p>
+            <a:r>
+              <a:rPr lang="en-US" dirty="0"/>
+              <a:t>Slipping vs. Tipping Worked Example</a:t>
+            </a:r>
+          </a:p>
+        </p:txBody>
+      </p:sp>
+      <p:sp>
+        <p:nvSpPr>
+          <p:cNvPr id="3" name="Content Placeholder 2"/>
+          <p:cNvSpPr>
+            <a:spLocks noGrp="1"/>
+          </p:cNvSpPr>
+          <p:nvPr>
+            <p:ph idx="1"/>
+          </p:nvPr>
+        </p:nvSpPr>
+        <p:spPr>
+          <a:xfrm>
+            <a:off x="457200" y="1600200"/>
+            <a:ext cx="7772400" cy="1524675"/>
+          </a:xfrm>
+        </p:spPr>
+        <p:txBody>
+          <a:bodyPr>
+            <a:normAutofit fontScale="70000" lnSpcReduction="20000"/>
+          </a:bodyPr>
+          <a:lstStyle/>
+          <a:p>
+            <a:r>
+              <a:rPr lang="en-US" dirty="0"/>
+              <a:t>A 30 lb box with the dimensions shown below is placed on a surface and the angle of that surface is slowly increased until the box either tips over or begins sliding. What will occur first and what angle will this occur at? Assume the center of mass of the box is at the center point of the box.</a:t>
+            </a:r>
+          </a:p>
+          <a:p>
+            <a:endParaRPr lang="en-US" dirty="0"/>
+          </a:p>
+          <a:p>
+            <a:endParaRPr lang="en-US" dirty="0"/>
+          </a:p>
+        </p:txBody>
+      </p:sp>
+      <mc:AlternateContent xmlns:mc="http://schemas.openxmlformats.org/markup-compatibility/2006">
+        <mc:Choice xmlns:a14="http://schemas.microsoft.com/office/drawing/2010/main" Requires="a14">
+          <p:sp>
+            <p:nvSpPr>
+              <p:cNvPr id="4" name="Rectangle 3"/>
+              <p:cNvSpPr/>
+              <p:nvPr/>
+            </p:nvSpPr>
+            <p:spPr>
+              <a:xfrm>
+                <a:off x="6340790" y="5056083"/>
+                <a:ext cx="1739387" cy="584775"/>
+              </a:xfrm>
+              <a:prstGeom prst="rect">
+                <a:avLst/>
+              </a:prstGeom>
+            </p:spPr>
+            <p:txBody>
+              <a:bodyPr wrap="none">
+                <a:spAutoFit/>
+              </a:bodyPr>
+              <a:lstStyle/>
+              <a:p>
+                <a:pPr/>
+                <a14:m>
+                  <m:oMathPara xmlns:m="http://schemas.openxmlformats.org/officeDocument/2006/math">
+                    <m:oMathParaPr>
+                      <m:jc m:val="centerGroup"/>
+                    </m:oMathParaPr>
+                    <m:oMath xmlns:m="http://schemas.openxmlformats.org/officeDocument/2006/math">
+                      <m:sSub>
+                        <m:sSubPr>
+                          <m:ctrlPr>
+                            <a:rPr lang="en-US" sz="3200" i="1" smtClean="0">
+                              <a:solidFill>
+                                <a:schemeClr val="tx1"/>
+                              </a:solidFill>
+                              <a:latin typeface="Cambria Math" panose="02040503050406030204" pitchFamily="18" charset="0"/>
+                            </a:rPr>
+                          </m:ctrlPr>
+                        </m:sSubPr>
+                        <m:e>
+                          <m:r>
+                            <m:rPr>
+                              <m:sty m:val="p"/>
+                            </m:rPr>
+                            <a:rPr lang="en-US" sz="3200">
+                              <a:solidFill>
+                                <a:schemeClr val="tx1"/>
+                              </a:solidFill>
+                              <a:latin typeface="Cambria Math"/>
+                              <a:ea typeface="Cambria Math"/>
+                            </a:rPr>
+                            <m:t>μ</m:t>
+                          </m:r>
+                        </m:e>
+                        <m:sub>
+                          <m:r>
+                            <m:rPr>
+                              <m:sty m:val="p"/>
+                            </m:rPr>
+                            <a:rPr lang="en-US" sz="3200">
+                              <a:solidFill>
+                                <a:schemeClr val="tx1"/>
+                              </a:solidFill>
+                              <a:latin typeface="Cambria Math"/>
+                            </a:rPr>
+                            <m:t>s</m:t>
+                          </m:r>
+                        </m:sub>
+                      </m:sSub>
+                      <m:r>
+                        <a:rPr lang="en-US" sz="3200" b="0" i="1" smtClean="0">
+                          <a:solidFill>
+                            <a:schemeClr val="tx1"/>
+                          </a:solidFill>
+                          <a:latin typeface="Cambria Math"/>
+                        </a:rPr>
+                        <m:t>=.</m:t>
+                      </m:r>
+                      <m:r>
+                        <a:rPr lang="en-US" sz="3200" b="0" i="1" smtClean="0">
+                          <a:solidFill>
+                            <a:schemeClr val="tx1"/>
+                          </a:solidFill>
+                          <a:latin typeface="Cambria Math" panose="02040503050406030204" pitchFamily="18" charset="0"/>
+                        </a:rPr>
+                        <m:t>5</m:t>
+                      </m:r>
+                      <m:r>
+                        <a:rPr lang="en-US" sz="3200" b="0" i="1" smtClean="0">
+                          <a:solidFill>
+                            <a:schemeClr val="tx1"/>
+                          </a:solidFill>
+                          <a:latin typeface="Cambria Math" panose="02040503050406030204" pitchFamily="18" charset="0"/>
+                        </a:rPr>
+                        <m:t>5</m:t>
+                      </m:r>
+                    </m:oMath>
+                  </m:oMathPara>
+                </a14:m>
+                <a:endParaRPr lang="en-US" dirty="0"/>
+              </a:p>
+            </p:txBody>
+          </p:sp>
+        </mc:Choice>
+        <mc:Fallback>
+          <p:sp>
+            <p:nvSpPr>
+              <p:cNvPr id="4" name="Rectangle 3"/>
+              <p:cNvSpPr>
+                <a:spLocks noRot="1" noChangeAspect="1" noMove="1" noResize="1" noEditPoints="1" noAdjustHandles="1" noChangeArrowheads="1" noChangeShapeType="1" noTextEdit="1"/>
+              </p:cNvSpPr>
+              <p:nvPr/>
+            </p:nvSpPr>
+            <p:spPr>
+              <a:xfrm>
+                <a:off x="6340790" y="5056083"/>
+                <a:ext cx="1739387" cy="584775"/>
+              </a:xfrm>
+              <a:prstGeom prst="rect">
+                <a:avLst/>
+              </a:prstGeom>
+              <a:blipFill>
+                <a:blip r:embed="rId3"/>
+                <a:stretch>
+                  <a:fillRect/>
+                </a:stretch>
+              </a:blipFill>
+            </p:spPr>
+            <p:txBody>
+              <a:bodyPr/>
+              <a:lstStyle/>
+              <a:p>
+                <a:r>
+                  <a:rPr lang="en-US">
+                    <a:noFill/>
+                  </a:rPr>
+                  <a:t> </a:t>
+                </a:r>
+              </a:p>
+            </p:txBody>
+          </p:sp>
+        </mc:Fallback>
+      </mc:AlternateContent>
+      <p:grpSp>
+        <p:nvGrpSpPr>
+          <p:cNvPr id="18" name="Group 17">
+            <a:extLst>
+              <a:ext uri="{FF2B5EF4-FFF2-40B4-BE49-F238E27FC236}">
+                <a16:creationId xmlns:a16="http://schemas.microsoft.com/office/drawing/2014/main" id="{079A50FF-07E8-46D9-9953-2A6EF096C977}"/>
+              </a:ext>
+            </a:extLst>
+          </p:cNvPr>
+          <p:cNvGrpSpPr/>
+          <p:nvPr/>
+        </p:nvGrpSpPr>
+        <p:grpSpPr>
+          <a:xfrm rot="1546106">
+            <a:off x="2060948" y="3512739"/>
+            <a:ext cx="5344886" cy="2514601"/>
+            <a:chOff x="1640190" y="4190999"/>
+            <a:chExt cx="5344886" cy="2514601"/>
+          </a:xfrm>
+        </p:grpSpPr>
+        <p:sp>
+          <p:nvSpPr>
+            <p:cNvPr id="5" name="Rectangle 4"/>
+            <p:cNvSpPr/>
+            <p:nvPr/>
+          </p:nvSpPr>
+          <p:spPr>
+            <a:xfrm>
+              <a:off x="3518506" y="4190999"/>
+              <a:ext cx="1645931" cy="1781175"/>
+            </a:xfrm>
+            <a:prstGeom prst="rect">
+              <a:avLst/>
+            </a:prstGeom>
+            <a:solidFill>
+              <a:schemeClr val="bg2">
+                <a:lumMod val="75000"/>
+              </a:schemeClr>
+            </a:solidFill>
+            <a:ln>
+              <a:solidFill>
+                <a:schemeClr val="bg2">
+                  <a:lumMod val="50000"/>
+                </a:schemeClr>
+              </a:solidFill>
+            </a:ln>
+          </p:spPr>
+          <p:style>
+            <a:lnRef idx="2">
+              <a:schemeClr val="accent6">
+                <a:shade val="50000"/>
+              </a:schemeClr>
+            </a:lnRef>
+            <a:fillRef idx="1">
+              <a:schemeClr val="accent6"/>
+            </a:fillRef>
+            <a:effectRef idx="0">
+              <a:schemeClr val="accent6"/>
+            </a:effectRef>
+            <a:fontRef idx="minor">
+              <a:schemeClr val="lt1"/>
+            </a:fontRef>
+          </p:style>
+          <p:txBody>
+            <a:bodyPr rtlCol="0" anchor="ctr"/>
+            <a:lstStyle/>
+            <a:p>
+              <a:pPr algn="ctr"/>
+              <a:r>
+                <a:rPr lang="en-US" dirty="0"/>
+                <a:t>30 lbs</a:t>
+              </a:r>
+            </a:p>
+          </p:txBody>
+        </p:sp>
+        <p:sp>
+          <p:nvSpPr>
+            <p:cNvPr id="6" name="Rectangle 5"/>
+            <p:cNvSpPr/>
+            <p:nvPr/>
+          </p:nvSpPr>
+          <p:spPr>
+            <a:xfrm>
+              <a:off x="1640190" y="5981700"/>
+              <a:ext cx="5344886" cy="283029"/>
+            </a:xfrm>
+            <a:prstGeom prst="rect">
+              <a:avLst/>
+            </a:prstGeom>
+            <a:solidFill>
+              <a:schemeClr val="bg1">
+                <a:lumMod val="75000"/>
+              </a:schemeClr>
+            </a:solidFill>
+            <a:ln>
+              <a:solidFill>
+                <a:schemeClr val="bg1">
+                  <a:lumMod val="50000"/>
+                </a:schemeClr>
+              </a:solidFill>
+            </a:ln>
+          </p:spPr>
+          <p:style>
+            <a:lnRef idx="2">
+              <a:schemeClr val="dk1">
+                <a:shade val="50000"/>
+              </a:schemeClr>
+            </a:lnRef>
+            <a:fillRef idx="1">
+              <a:schemeClr val="dk1"/>
+            </a:fillRef>
+            <a:effectRef idx="0">
+              <a:schemeClr val="dk1"/>
+            </a:effectRef>
+            <a:fontRef idx="minor">
+              <a:schemeClr val="lt1"/>
+            </a:fontRef>
+          </p:style>
+          <p:txBody>
+            <a:bodyPr rtlCol="0" anchor="ctr"/>
+            <a:lstStyle/>
+            <a:p>
+              <a:pPr algn="ctr"/>
+              <a:endParaRPr lang="en-US"/>
+            </a:p>
+          </p:txBody>
+        </p:sp>
+        <p:cxnSp>
+          <p:nvCxnSpPr>
+            <p:cNvPr id="9" name="Straight Connector 8"/>
+            <p:cNvCxnSpPr/>
+            <p:nvPr/>
+          </p:nvCxnSpPr>
+          <p:spPr>
+            <a:xfrm flipH="1">
+              <a:off x="5221590" y="4210050"/>
+              <a:ext cx="761999" cy="1"/>
+            </a:xfrm>
+            <a:prstGeom prst="line">
+              <a:avLst/>
+            </a:prstGeom>
+          </p:spPr>
+          <p:style>
+            <a:lnRef idx="1">
+              <a:schemeClr val="accent1"/>
+            </a:lnRef>
+            <a:fillRef idx="0">
+              <a:schemeClr val="accent1"/>
+            </a:fillRef>
+            <a:effectRef idx="0">
+              <a:schemeClr val="accent1"/>
+            </a:effectRef>
+            <a:fontRef idx="minor">
+              <a:schemeClr val="tx1"/>
+            </a:fontRef>
+          </p:style>
+        </p:cxnSp>
+        <p:cxnSp>
+          <p:nvCxnSpPr>
+            <p:cNvPr id="10" name="Straight Connector 9"/>
+            <p:cNvCxnSpPr>
+              <a:cxnSpLocks/>
+            </p:cNvCxnSpPr>
+            <p:nvPr/>
+          </p:nvCxnSpPr>
+          <p:spPr>
+            <a:xfrm>
+              <a:off x="5154915" y="6123214"/>
+              <a:ext cx="0" cy="512020"/>
+            </a:xfrm>
+            <a:prstGeom prst="line">
+              <a:avLst/>
+            </a:prstGeom>
+          </p:spPr>
+          <p:style>
+            <a:lnRef idx="1">
+              <a:schemeClr val="accent1"/>
+            </a:lnRef>
+            <a:fillRef idx="0">
+              <a:schemeClr val="accent1"/>
+            </a:fillRef>
+            <a:effectRef idx="0">
+              <a:schemeClr val="accent1"/>
+            </a:effectRef>
+            <a:fontRef idx="minor">
+              <a:schemeClr val="tx1"/>
+            </a:fontRef>
+          </p:style>
+        </p:cxnSp>
+        <p:cxnSp>
+          <p:nvCxnSpPr>
+            <p:cNvPr id="11" name="Straight Connector 10"/>
+            <p:cNvCxnSpPr>
+              <a:cxnSpLocks/>
+            </p:cNvCxnSpPr>
+            <p:nvPr/>
+          </p:nvCxnSpPr>
+          <p:spPr>
+            <a:xfrm>
+              <a:off x="3534304" y="6123214"/>
+              <a:ext cx="10886" cy="512020"/>
+            </a:xfrm>
+            <a:prstGeom prst="line">
+              <a:avLst/>
+            </a:prstGeom>
+          </p:spPr>
+          <p:style>
+            <a:lnRef idx="1">
+              <a:schemeClr val="accent1"/>
+            </a:lnRef>
+            <a:fillRef idx="0">
+              <a:schemeClr val="accent1"/>
+            </a:fillRef>
+            <a:effectRef idx="0">
+              <a:schemeClr val="accent1"/>
+            </a:effectRef>
+            <a:fontRef idx="minor">
+              <a:schemeClr val="tx1"/>
+            </a:fontRef>
+          </p:style>
+        </p:cxnSp>
+        <p:cxnSp>
+          <p:nvCxnSpPr>
+            <p:cNvPr id="12" name="Straight Connector 11"/>
+            <p:cNvCxnSpPr>
+              <a:cxnSpLocks/>
+            </p:cNvCxnSpPr>
+            <p:nvPr/>
+          </p:nvCxnSpPr>
+          <p:spPr>
+            <a:xfrm>
+              <a:off x="5574015" y="4210050"/>
+              <a:ext cx="0" cy="1771650"/>
+            </a:xfrm>
+            <a:prstGeom prst="line">
+              <a:avLst/>
+            </a:prstGeom>
+          </p:spPr>
+          <p:style>
+            <a:lnRef idx="1">
+              <a:schemeClr val="accent1"/>
+            </a:lnRef>
+            <a:fillRef idx="0">
+              <a:schemeClr val="accent1"/>
+            </a:fillRef>
+            <a:effectRef idx="0">
+              <a:schemeClr val="accent1"/>
+            </a:effectRef>
+            <a:fontRef idx="minor">
+              <a:schemeClr val="tx1"/>
+            </a:fontRef>
+          </p:style>
+        </p:cxnSp>
+        <p:cxnSp>
+          <p:nvCxnSpPr>
+            <p:cNvPr id="14" name="Straight Connector 13"/>
+            <p:cNvCxnSpPr>
+              <a:cxnSpLocks/>
+            </p:cNvCxnSpPr>
+            <p:nvPr/>
+          </p:nvCxnSpPr>
+          <p:spPr>
+            <a:xfrm flipH="1">
+              <a:off x="3545190" y="6504214"/>
+              <a:ext cx="1609725" cy="0"/>
+            </a:xfrm>
+            <a:prstGeom prst="line">
+              <a:avLst/>
+            </a:prstGeom>
+          </p:spPr>
+          <p:style>
+            <a:lnRef idx="1">
+              <a:schemeClr val="accent1"/>
+            </a:lnRef>
+            <a:fillRef idx="0">
+              <a:schemeClr val="accent1"/>
+            </a:fillRef>
+            <a:effectRef idx="0">
+              <a:schemeClr val="accent1"/>
+            </a:effectRef>
+            <a:fontRef idx="minor">
+              <a:schemeClr val="tx1"/>
+            </a:fontRef>
+          </p:style>
+        </p:cxnSp>
+        <p:sp>
+          <p:nvSpPr>
+            <p:cNvPr id="15" name="TextBox 14"/>
+            <p:cNvSpPr txBox="1"/>
+            <p:nvPr/>
+          </p:nvSpPr>
+          <p:spPr>
+            <a:xfrm>
+              <a:off x="5334000" y="4888468"/>
+              <a:ext cx="502061" cy="369332"/>
+            </a:xfrm>
+            <a:prstGeom prst="rect">
+              <a:avLst/>
+            </a:prstGeom>
+            <a:solidFill>
+              <a:schemeClr val="bg1"/>
+            </a:solidFill>
+          </p:spPr>
+          <p:txBody>
+            <a:bodyPr wrap="none" rtlCol="0">
+              <a:spAutoFit/>
+            </a:bodyPr>
+            <a:lstStyle/>
+            <a:p>
+              <a:r>
+                <a:rPr lang="en-US" dirty="0">
+                  <a:solidFill>
+                    <a:schemeClr val="accent1"/>
+                  </a:solidFill>
+                </a:rPr>
+                <a:t>2 ft</a:t>
+              </a:r>
+            </a:p>
+          </p:txBody>
+        </p:sp>
+        <p:sp>
+          <p:nvSpPr>
+            <p:cNvPr id="17" name="TextBox 16"/>
+            <p:cNvSpPr txBox="1"/>
+            <p:nvPr/>
+          </p:nvSpPr>
+          <p:spPr>
+            <a:xfrm>
+              <a:off x="4156288" y="6336268"/>
+              <a:ext cx="531902" cy="369332"/>
+            </a:xfrm>
+            <a:prstGeom prst="rect">
+              <a:avLst/>
+            </a:prstGeom>
+            <a:solidFill>
+              <a:schemeClr val="bg1"/>
+            </a:solidFill>
+          </p:spPr>
+          <p:txBody>
+            <a:bodyPr wrap="square" rtlCol="0">
+              <a:spAutoFit/>
+            </a:bodyPr>
+            <a:lstStyle/>
+            <a:p>
+              <a:pPr algn="ctr"/>
+              <a:r>
+                <a:rPr lang="en-US" dirty="0">
+                  <a:solidFill>
+                    <a:schemeClr val="accent1"/>
+                  </a:solidFill>
+                </a:rPr>
+                <a:t>1 ft</a:t>
+              </a:r>
+            </a:p>
+          </p:txBody>
+        </p:sp>
+      </p:grpSp>
+      <p:sp>
+        <p:nvSpPr>
+          <p:cNvPr id="19" name="Arc 18">
+            <a:extLst>
+              <a:ext uri="{FF2B5EF4-FFF2-40B4-BE49-F238E27FC236}">
+                <a16:creationId xmlns:a16="http://schemas.microsoft.com/office/drawing/2014/main" id="{4248D110-4FD2-4299-95BF-CF6C348E4614}"/>
+              </a:ext>
+            </a:extLst>
+          </p:cNvPr>
+          <p:cNvSpPr/>
+          <p:nvPr/>
+        </p:nvSpPr>
+        <p:spPr>
+          <a:xfrm>
+            <a:off x="5736008" y="6019800"/>
+            <a:ext cx="1371600" cy="1371600"/>
+          </a:xfrm>
+          <a:prstGeom prst="arc">
+            <a:avLst>
+              <a:gd name="adj1" fmla="val 10799628"/>
+              <a:gd name="adj2" fmla="val 13519326"/>
+            </a:avLst>
+          </a:prstGeom>
+        </p:spPr>
+        <p:style>
+          <a:lnRef idx="1">
+            <a:schemeClr val="accent1"/>
+          </a:lnRef>
+          <a:fillRef idx="0">
+            <a:schemeClr val="accent1"/>
+          </a:fillRef>
+          <a:effectRef idx="0">
+            <a:schemeClr val="accent1"/>
+          </a:effectRef>
+          <a:fontRef idx="minor">
+            <a:schemeClr val="tx1"/>
+          </a:fontRef>
+        </p:style>
+        <p:txBody>
+          <a:bodyPr rtlCol="0" anchor="ctr"/>
+          <a:lstStyle/>
+          <a:p>
+            <a:pPr algn="ctr"/>
+            <a:endParaRPr lang="en-US"/>
+          </a:p>
+        </p:txBody>
+      </p:sp>
+      <p:cxnSp>
+        <p:nvCxnSpPr>
+          <p:cNvPr id="20" name="Straight Connector 19">
+            <a:extLst>
+              <a:ext uri="{FF2B5EF4-FFF2-40B4-BE49-F238E27FC236}">
+                <a16:creationId xmlns:a16="http://schemas.microsoft.com/office/drawing/2014/main" id="{4F008ED8-A84A-4444-A491-874F0B67B428}"/>
+              </a:ext>
+            </a:extLst>
+          </p:cNvPr>
+          <p:cNvCxnSpPr>
+            <a:cxnSpLocks/>
+          </p:cNvCxnSpPr>
+          <p:nvPr/>
+        </p:nvCxnSpPr>
+        <p:spPr>
+          <a:xfrm>
+            <a:off x="5532286" y="6696075"/>
+            <a:ext cx="1026811" cy="0"/>
+          </a:xfrm>
+          <a:prstGeom prst="line">
+            <a:avLst/>
+          </a:prstGeom>
+        </p:spPr>
+        <p:style>
+          <a:lnRef idx="1">
+            <a:schemeClr val="accent1"/>
+          </a:lnRef>
+          <a:fillRef idx="0">
+            <a:schemeClr val="accent1"/>
+          </a:fillRef>
+          <a:effectRef idx="0">
+            <a:schemeClr val="accent1"/>
+          </a:effectRef>
+          <a:fontRef idx="minor">
+            <a:schemeClr val="tx1"/>
+          </a:fontRef>
+        </p:style>
+      </p:cxnSp>
+      <mc:AlternateContent xmlns:mc="http://schemas.openxmlformats.org/markup-compatibility/2006">
+        <mc:Choice xmlns:a14="http://schemas.microsoft.com/office/drawing/2010/main" Requires="a14">
+          <p:sp>
+            <p:nvSpPr>
+              <p:cNvPr id="24" name="TextBox 23">
+                <a:extLst>
+                  <a:ext uri="{FF2B5EF4-FFF2-40B4-BE49-F238E27FC236}">
+                    <a16:creationId xmlns:a16="http://schemas.microsoft.com/office/drawing/2014/main" id="{3A74A2E9-3707-4BC1-B38B-B4FBED7B4A2C}"/>
+                  </a:ext>
+                </a:extLst>
+              </p:cNvPr>
+              <p:cNvSpPr txBox="1"/>
+              <p:nvPr/>
+            </p:nvSpPr>
+            <p:spPr>
+              <a:xfrm>
+                <a:off x="5354032" y="6238628"/>
+                <a:ext cx="356508" cy="362984"/>
+              </a:xfrm>
+              <a:prstGeom prst="rect">
+                <a:avLst/>
+              </a:prstGeom>
+              <a:noFill/>
+            </p:spPr>
+            <p:txBody>
+              <a:bodyPr wrap="none" rtlCol="0">
+                <a:spAutoFit/>
+              </a:bodyPr>
+              <a:lstStyle/>
+              <a:p>
+                <a14:m>
+                  <m:oMathPara xmlns:m="http://schemas.openxmlformats.org/officeDocument/2006/math">
+                    <m:oMathParaPr>
+                      <m:jc m:val="centerGroup"/>
+                    </m:oMathParaPr>
+                    <m:oMath xmlns:m="http://schemas.openxmlformats.org/officeDocument/2006/math">
+                      <m:r>
+                        <a:rPr lang="en-US" i="1" smtClean="0">
+                          <a:solidFill>
+                            <a:schemeClr val="accent1"/>
+                          </a:solidFill>
+                          <a:latin typeface="Cambria Math" panose="02040503050406030204" pitchFamily="18" charset="0"/>
+                          <a:ea typeface="Cambria Math" panose="02040503050406030204" pitchFamily="18" charset="0"/>
+                        </a:rPr>
+                        <m:t>𝜃</m:t>
+                      </m:r>
+                    </m:oMath>
+                  </m:oMathPara>
+                </a14:m>
+                <a:endParaRPr lang="en-US" baseline="30000" dirty="0">
+                  <a:solidFill>
+                    <a:schemeClr val="accent1"/>
+                  </a:solidFill>
+                </a:endParaRPr>
+              </a:p>
+            </p:txBody>
+          </p:sp>
+        </mc:Choice>
+        <mc:Fallback>
+          <p:sp>
+            <p:nvSpPr>
+              <p:cNvPr id="24" name="TextBox 23">
+                <a:extLst>
+                  <a:ext uri="{FF2B5EF4-FFF2-40B4-BE49-F238E27FC236}">
+                    <a16:creationId xmlns:a16="http://schemas.microsoft.com/office/drawing/2014/main" id="{3A74A2E9-3707-4BC1-B38B-B4FBED7B4A2C}"/>
+                  </a:ext>
+                </a:extLst>
+              </p:cNvPr>
+              <p:cNvSpPr txBox="1">
+                <a:spLocks noRot="1" noChangeAspect="1" noMove="1" noResize="1" noEditPoints="1" noAdjustHandles="1" noChangeArrowheads="1" noChangeShapeType="1" noTextEdit="1"/>
+              </p:cNvSpPr>
+              <p:nvPr/>
+            </p:nvSpPr>
+            <p:spPr>
+              <a:xfrm>
+                <a:off x="5354032" y="6238628"/>
+                <a:ext cx="356508" cy="362984"/>
+              </a:xfrm>
+              <a:prstGeom prst="rect">
+                <a:avLst/>
+              </a:prstGeom>
+              <a:blipFill>
+                <a:blip r:embed="rId4"/>
+                <a:stretch>
+                  <a:fillRect/>
+                </a:stretch>
+              </a:blipFill>
+            </p:spPr>
+            <p:txBody>
+              <a:bodyPr/>
+              <a:lstStyle/>
+              <a:p>
+                <a:r>
+                  <a:rPr lang="en-US">
+                    <a:noFill/>
+                  </a:rPr>
+                  <a:t> </a:t>
+                </a:r>
+              </a:p>
+            </p:txBody>
+          </p:sp>
+        </mc:Fallback>
+      </mc:AlternateContent>
+    </p:spTree>
+    <p:extLst>
+      <p:ext uri="{BB962C8B-B14F-4D97-AF65-F5344CB8AC3E}">
+        <p14:creationId xmlns:p14="http://schemas.microsoft.com/office/powerpoint/2010/main" val="3982763553"/>
       </p:ext>
     </p:extLst>
   </p:cSld>
@@ -6237,7 +8043,7 @@
           <a:p>
             <a:r>
               <a:rPr lang="en-US" dirty="0"/>
-              <a:t>If we are pushing on an object the distributed normal force will adapt to try and balance the moment of the friction force.</a:t>
+              <a:t>If we are pushing on an object, the distributed normal force will adapt to try and balance the moment of the friction force.</a:t>
             </a:r>
           </a:p>
         </p:txBody>
@@ -10232,8 +12038,8 @@
           </a:fontRef>
         </p:style>
       </p:cxnSp>
-      <mc:AlternateContent xmlns:mc="http://schemas.openxmlformats.org/markup-compatibility/2006">
-        <mc:Choice xmlns:a14="http://schemas.microsoft.com/office/drawing/2010/main" Requires="a14">
+      <mc:AlternateContent xmlns:mc="http://schemas.openxmlformats.org/markup-compatibility/2006" xmlns:a14="http://schemas.microsoft.com/office/drawing/2010/main">
+        <mc:Choice Requires="a14">
           <p:sp>
             <p:nvSpPr>
               <p:cNvPr id="9" name="Rectangle 8"/>
@@ -10310,7 +12116,7 @@
             </p:txBody>
           </p:sp>
         </mc:Choice>
-        <mc:Fallback>
+        <mc:Fallback xmlns="">
           <p:sp>
             <p:nvSpPr>
               <p:cNvPr id="9" name="Rectangle 8"/>
@@ -10349,8 +12155,8 @@
           </p:sp>
         </mc:Fallback>
       </mc:AlternateContent>
-      <mc:AlternateContent xmlns:mc="http://schemas.openxmlformats.org/markup-compatibility/2006">
-        <mc:Choice xmlns:a14="http://schemas.microsoft.com/office/drawing/2010/main" Requires="a14">
+      <mc:AlternateContent xmlns:mc="http://schemas.openxmlformats.org/markup-compatibility/2006" xmlns:a14="http://schemas.microsoft.com/office/drawing/2010/main">
+        <mc:Choice Requires="a14">
           <p:sp>
             <p:nvSpPr>
               <p:cNvPr id="10" name="Rectangle 9"/>
@@ -10427,7 +12233,7 @@
             </p:txBody>
           </p:sp>
         </mc:Choice>
-        <mc:Fallback>
+        <mc:Fallback xmlns="">
           <p:sp>
             <p:nvSpPr>
               <p:cNvPr id="10" name="Rectangle 9"/>
@@ -10466,8 +12272,8 @@
           </p:sp>
         </mc:Fallback>
       </mc:AlternateContent>
-      <mc:AlternateContent xmlns:mc="http://schemas.openxmlformats.org/markup-compatibility/2006">
-        <mc:Choice xmlns:a14="http://schemas.microsoft.com/office/drawing/2010/main" Requires="a14">
+      <mc:AlternateContent xmlns:mc="http://schemas.openxmlformats.org/markup-compatibility/2006" xmlns:a14="http://schemas.microsoft.com/office/drawing/2010/main">
+        <mc:Choice Requires="a14">
           <p:sp>
             <p:nvSpPr>
               <p:cNvPr id="11" name="Rectangle 10"/>
@@ -10544,7 +12350,7 @@
             </p:txBody>
           </p:sp>
         </mc:Choice>
-        <mc:Fallback>
+        <mc:Fallback xmlns="">
           <p:sp>
             <p:nvSpPr>
               <p:cNvPr id="11" name="Rectangle 10"/>
@@ -10620,8 +12426,8 @@
           </a:fontRef>
         </p:style>
       </p:cxnSp>
-      <mc:AlternateContent xmlns:mc="http://schemas.openxmlformats.org/markup-compatibility/2006">
-        <mc:Choice xmlns:a14="http://schemas.microsoft.com/office/drawing/2010/main" Requires="a14">
+      <mc:AlternateContent xmlns:mc="http://schemas.openxmlformats.org/markup-compatibility/2006" xmlns:a14="http://schemas.microsoft.com/office/drawing/2010/main">
+        <mc:Choice Requires="a14">
           <p:sp>
             <p:nvSpPr>
               <p:cNvPr id="13" name="Rectangle 12"/>
@@ -10698,7 +12504,7 @@
             </p:txBody>
           </p:sp>
         </mc:Choice>
-        <mc:Fallback>
+        <mc:Fallback xmlns="">
           <p:sp>
             <p:nvSpPr>
               <p:cNvPr id="13" name="Rectangle 12"/>
@@ -12999,30 +14805,18 @@
         <p:spPr>
           <a:xfrm>
             <a:off x="457200" y="1697285"/>
-            <a:ext cx="8229600" cy="1198316"/>
+            <a:ext cx="8229600" cy="1480562"/>
           </a:xfrm>
         </p:spPr>
         <p:txBody>
           <a:bodyPr>
-            <a:normAutofit fontScale="92500" lnSpcReduction="20000"/>
+            <a:normAutofit fontScale="70000" lnSpcReduction="20000"/>
           </a:bodyPr>
           <a:lstStyle/>
           <a:p>
             <a:r>
               <a:rPr lang="en-US" dirty="0"/>
-              <a:t>The box below is pushed as shown.  If we keep increasing the value of </a:t>
-            </a:r>
-            <a:r>
-              <a:rPr lang="en-US" dirty="0" err="1"/>
-              <a:t>F</a:t>
-            </a:r>
-            <a:r>
-              <a:rPr lang="en-US" baseline="-25000" dirty="0" err="1"/>
-              <a:t>push</a:t>
-            </a:r>
-            <a:r>
-              <a:rPr lang="en-US" dirty="0"/>
-              <a:t> will the box first tip over or will it slip?</a:t>
+              <a:t>A box with the dimensions shown below is placed on a flat surface. We increase the magnitude of the pushing force until the box either tips over or begins to slide. Which will occur first? Assume the center of mass of the box is at the center point of the box.</a:t>
             </a:r>
           </a:p>
           <a:p>
@@ -13165,7 +14959,7 @@
         </p:nvSpPr>
         <p:spPr>
           <a:xfrm>
-            <a:off x="2514600" y="3124200"/>
+            <a:off x="2514600" y="3363686"/>
             <a:ext cx="2209800" cy="2514600"/>
           </a:xfrm>
           <a:prstGeom prst="rect">
@@ -13208,7 +15002,7 @@
         </p:nvSpPr>
         <p:spPr>
           <a:xfrm>
-            <a:off x="609600" y="5638800"/>
+            <a:off x="609600" y="5878286"/>
             <a:ext cx="5344886" cy="283029"/>
           </a:xfrm>
           <a:prstGeom prst="rect">
@@ -13248,7 +15042,7 @@
         </p:nvCxnSpPr>
         <p:spPr>
           <a:xfrm>
-            <a:off x="962836" y="3962400"/>
+            <a:off x="962836" y="4201886"/>
             <a:ext cx="1551763" cy="0"/>
           </a:xfrm>
           <a:prstGeom prst="straightConnector1">
@@ -13277,8 +15071,8 @@
           </a:fontRef>
         </p:style>
       </p:cxnSp>
-      <mc:AlternateContent xmlns:mc="http://schemas.openxmlformats.org/markup-compatibility/2006" xmlns:a14="http://schemas.microsoft.com/office/drawing/2010/main">
-        <mc:Choice Requires="a14">
+      <mc:AlternateContent xmlns:mc="http://schemas.openxmlformats.org/markup-compatibility/2006">
+        <mc:Choice xmlns:a14="http://schemas.microsoft.com/office/drawing/2010/main" Requires="a14">
           <p:sp>
             <p:nvSpPr>
               <p:cNvPr id="8" name="Rectangle 7"/>
@@ -13287,7 +15081,7 @@
             </p:nvSpPr>
             <p:spPr>
               <a:xfrm>
-                <a:off x="223950" y="3763257"/>
+                <a:off x="223950" y="4002743"/>
                 <a:ext cx="771300" cy="394019"/>
               </a:xfrm>
               <a:prstGeom prst="rect">
@@ -13355,7 +15149,7 @@
             </p:txBody>
           </p:sp>
         </mc:Choice>
-        <mc:Fallback xmlns="">
+        <mc:Fallback>
           <p:sp>
             <p:nvSpPr>
               <p:cNvPr id="8" name="Rectangle 7"/>
@@ -13366,16 +15160,16 @@
             </p:nvSpPr>
             <p:spPr>
               <a:xfrm>
-                <a:off x="223950" y="3763257"/>
+                <a:off x="223950" y="4002743"/>
                 <a:ext cx="771300" cy="394019"/>
               </a:xfrm>
               <a:prstGeom prst="rect">
                 <a:avLst/>
               </a:prstGeom>
-              <a:blipFill rotWithShape="1">
+              <a:blipFill>
                 <a:blip r:embed="rId4"/>
                 <a:stretch>
-                  <a:fillRect b="-9231"/>
+                  <a:fillRect b="-10938"/>
                 </a:stretch>
               </a:blipFill>
             </p:spPr>
@@ -13402,7 +15196,7 @@
         </p:nvCxnSpPr>
         <p:spPr>
           <a:xfrm flipH="1">
-            <a:off x="4800601" y="3124200"/>
+            <a:off x="4800601" y="3363686"/>
             <a:ext cx="761999" cy="1"/>
           </a:xfrm>
           <a:prstGeom prst="line">
@@ -13432,7 +15226,7 @@
         </p:nvCxnSpPr>
         <p:spPr>
           <a:xfrm>
-            <a:off x="4713514" y="5780314"/>
+            <a:off x="4713514" y="6019800"/>
             <a:ext cx="0" cy="762000"/>
           </a:xfrm>
           <a:prstGeom prst="line">
@@ -13462,7 +15256,7 @@
         </p:nvCxnSpPr>
         <p:spPr>
           <a:xfrm>
-            <a:off x="2503714" y="5780314"/>
+            <a:off x="2503714" y="6019800"/>
             <a:ext cx="0" cy="762000"/>
           </a:xfrm>
           <a:prstGeom prst="line">
@@ -13492,7 +15286,7 @@
         </p:nvCxnSpPr>
         <p:spPr>
           <a:xfrm>
-            <a:off x="5181600" y="3124200"/>
+            <a:off x="5181600" y="3363686"/>
             <a:ext cx="0" cy="2514600"/>
           </a:xfrm>
           <a:prstGeom prst="line">
@@ -13522,7 +15316,7 @@
         </p:nvCxnSpPr>
         <p:spPr>
           <a:xfrm>
-            <a:off x="1981200" y="3962400"/>
+            <a:off x="1981200" y="4201886"/>
             <a:ext cx="0" cy="1676400"/>
           </a:xfrm>
           <a:prstGeom prst="line">
@@ -13552,7 +15346,7 @@
         </p:nvCxnSpPr>
         <p:spPr>
           <a:xfrm flipH="1" flipV="1">
-            <a:off x="2514600" y="6302829"/>
+            <a:off x="2514600" y="6542315"/>
             <a:ext cx="2198914" cy="1"/>
           </a:xfrm>
           <a:prstGeom prst="line">
@@ -13582,7 +15376,7 @@
         </p:nvSpPr>
         <p:spPr>
           <a:xfrm>
-            <a:off x="4953000" y="4298721"/>
+            <a:off x="4953000" y="4538207"/>
             <a:ext cx="503664" cy="369332"/>
           </a:xfrm>
           <a:prstGeom prst="rect">
@@ -13617,7 +15411,7 @@
         </p:nvSpPr>
         <p:spPr>
           <a:xfrm>
-            <a:off x="1721441" y="4566166"/>
+            <a:off x="1721441" y="4805652"/>
             <a:ext cx="564559" cy="369332"/>
           </a:xfrm>
           <a:prstGeom prst="rect">
@@ -13653,7 +15447,7 @@
         </p:nvSpPr>
         <p:spPr>
           <a:xfrm>
-            <a:off x="3352800" y="6107668"/>
+            <a:off x="3352800" y="6347154"/>
             <a:ext cx="531902" cy="369332"/>
           </a:xfrm>
           <a:prstGeom prst="rect">
